--- a/bemutató.pptx
+++ b/bemutató.pptx
@@ -143,6 +143,87 @@
 </p:presentation>
 </file>
 
+<file path=ppt/revisionInfo.xml><?xml version="1.0" encoding="utf-8"?>
+<p1510:revInfo xmlns:a="http://schemas.openxmlformats.org/drawingml/2006/main" xmlns:r="http://schemas.openxmlformats.org/officeDocument/2006/relationships" xmlns:p1510="http://schemas.microsoft.com/office/powerpoint/2015/10/main">
+  <p1510:revLst>
+    <p1510:client id="{F87D5709-FDE5-452E-A1C5-868184974C85}" v="2" dt="2025-04-10T10:36:47.535"/>
+  </p1510:revLst>
+</p1510:revInfo>
+</file>
+
+<file path=ppt/changesInfos/changesInfo1.xml><?xml version="1.0" encoding="utf-8"?>
+<pc:chgInfo xmlns:a="http://schemas.openxmlformats.org/drawingml/2006/main" xmlns:r="http://schemas.openxmlformats.org/officeDocument/2006/relationships" xmlns:ac="http://schemas.microsoft.com/office/drawing/2013/main/command" xmlns:pc="http://schemas.microsoft.com/office/powerpoint/2013/main/command">
+  <pc:docChgLst>
+    <pc:chgData name="Kiss Kolos Attila" userId="S::kiss.kolos.attila2004@tanulo.boronkay.hu::1f59dda1-4b06-4868-9765-77ccce1b6985" providerId="AD" clId="Web-{F87D5709-FDE5-452E-A1C5-868184974C85}"/>
+    <pc:docChg chg="modSld">
+      <pc:chgData name="Kiss Kolos Attila" userId="S::kiss.kolos.attila2004@tanulo.boronkay.hu::1f59dda1-4b06-4868-9765-77ccce1b6985" providerId="AD" clId="Web-{F87D5709-FDE5-452E-A1C5-868184974C85}" dt="2025-04-10T10:36:47.535" v="1" actId="1076"/>
+      <pc:docMkLst>
+        <pc:docMk/>
+      </pc:docMkLst>
+      <pc:sldChg chg="modSp">
+        <pc:chgData name="Kiss Kolos Attila" userId="S::kiss.kolos.attila2004@tanulo.boronkay.hu::1f59dda1-4b06-4868-9765-77ccce1b6985" providerId="AD" clId="Web-{F87D5709-FDE5-452E-A1C5-868184974C85}" dt="2025-04-10T10:36:47.535" v="1" actId="1076"/>
+        <pc:sldMkLst>
+          <pc:docMk/>
+          <pc:sldMk cId="2677785518" sldId="279"/>
+        </pc:sldMkLst>
+        <pc:cxnChg chg="mod">
+          <ac:chgData name="Kiss Kolos Attila" userId="S::kiss.kolos.attila2004@tanulo.boronkay.hu::1f59dda1-4b06-4868-9765-77ccce1b6985" providerId="AD" clId="Web-{F87D5709-FDE5-452E-A1C5-868184974C85}" dt="2025-04-10T10:36:47.535" v="1" actId="1076"/>
+          <ac:cxnSpMkLst>
+            <pc:docMk/>
+            <pc:sldMk cId="2677785518" sldId="279"/>
+            <ac:cxnSpMk id="42" creationId="{30C1D205-5C8F-4BA9-881C-B05CD4EC7EA4}"/>
+          </ac:cxnSpMkLst>
+        </pc:cxnChg>
+      </pc:sldChg>
+    </pc:docChg>
+  </pc:docChgLst>
+  <pc:docChgLst>
+    <pc:chgData name="Kiss Kolos Attila" userId="S::kiss.kolos.attila2004@tanulo.boronkay.hu::1f59dda1-4b06-4868-9765-77ccce1b6985" providerId="AD" clId="Web-{A2FF413E-B998-4A9F-A352-D427F540C02F}"/>
+    <pc:docChg chg="modSld">
+      <pc:chgData name="Kiss Kolos Attila" userId="S::kiss.kolos.attila2004@tanulo.boronkay.hu::1f59dda1-4b06-4868-9765-77ccce1b6985" providerId="AD" clId="Web-{A2FF413E-B998-4A9F-A352-D427F540C02F}" dt="2025-04-10T12:06:26.798" v="447"/>
+      <pc:docMkLst>
+        <pc:docMk/>
+      </pc:docMkLst>
+      <pc:sldChg chg="modNotes">
+        <pc:chgData name="Kiss Kolos Attila" userId="S::kiss.kolos.attila2004@tanulo.boronkay.hu::1f59dda1-4b06-4868-9765-77ccce1b6985" providerId="AD" clId="Web-{A2FF413E-B998-4A9F-A352-D427F540C02F}" dt="2025-04-10T12:01:43.069" v="351"/>
+        <pc:sldMkLst>
+          <pc:docMk/>
+          <pc:sldMk cId="44959599" sldId="262"/>
+        </pc:sldMkLst>
+      </pc:sldChg>
+      <pc:sldChg chg="modNotes">
+        <pc:chgData name="Kiss Kolos Attila" userId="S::kiss.kolos.attila2004@tanulo.boronkay.hu::1f59dda1-4b06-4868-9765-77ccce1b6985" providerId="AD" clId="Web-{A2FF413E-B998-4A9F-A352-D427F540C02F}" dt="2025-04-10T12:04:54.420" v="389"/>
+        <pc:sldMkLst>
+          <pc:docMk/>
+          <pc:sldMk cId="642216757" sldId="265"/>
+        </pc:sldMkLst>
+      </pc:sldChg>
+      <pc:sldChg chg="modNotes">
+        <pc:chgData name="Kiss Kolos Attila" userId="S::kiss.kolos.attila2004@tanulo.boronkay.hu::1f59dda1-4b06-4868-9765-77ccce1b6985" providerId="AD" clId="Web-{A2FF413E-B998-4A9F-A352-D427F540C02F}" dt="2025-04-10T12:06:26.798" v="447"/>
+        <pc:sldMkLst>
+          <pc:docMk/>
+          <pc:sldMk cId="3255301505" sldId="266"/>
+        </pc:sldMkLst>
+      </pc:sldChg>
+      <pc:sldChg chg="modNotes">
+        <pc:chgData name="Kiss Kolos Attila" userId="S::kiss.kolos.attila2004@tanulo.boronkay.hu::1f59dda1-4b06-4868-9765-77ccce1b6985" providerId="AD" clId="Web-{A2FF413E-B998-4A9F-A352-D427F540C02F}" dt="2025-04-10T11:51:10.375" v="266"/>
+        <pc:sldMkLst>
+          <pc:docMk/>
+          <pc:sldMk cId="2677785518" sldId="279"/>
+        </pc:sldMkLst>
+      </pc:sldChg>
+      <pc:sldChg chg="modNotes">
+        <pc:chgData name="Kiss Kolos Attila" userId="S::kiss.kolos.attila2004@tanulo.boronkay.hu::1f59dda1-4b06-4868-9765-77ccce1b6985" providerId="AD" clId="Web-{A2FF413E-B998-4A9F-A352-D427F540C02F}" dt="2025-04-10T11:55:40.838" v="323"/>
+        <pc:sldMkLst>
+          <pc:docMk/>
+          <pc:sldMk cId="3226266311" sldId="285"/>
+        </pc:sldMkLst>
+      </pc:sldChg>
+    </pc:docChg>
+  </pc:docChgLst>
+</pc:chgInfo>
+</file>
+
 <file path=ppt/notesMasters/notesMaster1.xml><?xml version="1.0" encoding="utf-8"?>
 <p:notesMaster xmlns:a="http://schemas.openxmlformats.org/drawingml/2006/main" xmlns:r="http://schemas.openxmlformats.org/officeDocument/2006/relationships" xmlns:p="http://schemas.openxmlformats.org/presentationml/2006/main">
   <p:cSld>
@@ -225,7 +306,7 @@
           <a:p>
             <a:fld id="{704C9C2D-C333-4AF0-8ADD-F6DBF7C3E110}" type="datetimeFigureOut">
               <a:rPr lang="hu-HU" smtClean="0"/>
-              <a:t>2025. 04. 07.</a:t>
+              <a:t>2025. 04. 10.</a:t>
             </a:fld>
             <a:endParaRPr lang="hu-HU"/>
           </a:p>
@@ -620,10 +701,7 @@
           <a:bodyPr/>
           <a:lstStyle/>
           <a:p>
-            <a:r>
-              <a:rPr lang="hu-HU" dirty="0"/>
-              <a:t>Latex tudományos</a:t>
-            </a:r>
+            <a:endParaRPr lang="hu-HU" dirty="0"/>
           </a:p>
         </p:txBody>
       </p:sp>
@@ -644,7 +722,7 @@
           <a:p>
             <a:fld id="{71CE05D7-2AB6-4AAE-88F4-FCCEC84BB5EF}" type="slidenum">
               <a:rPr lang="hu-HU" smtClean="0"/>
-              <a:t>17</a:t>
+              <a:t>14</a:t>
             </a:fld>
             <a:endParaRPr lang="hu-HU"/>
           </a:p>
@@ -653,7 +731,7 @@
     </p:spTree>
     <p:extLst>
       <p:ext uri="{BB962C8B-B14F-4D97-AF65-F5344CB8AC3E}">
-        <p14:creationId xmlns:p14="http://schemas.microsoft.com/office/powerpoint/2010/main" val="2342585904"/>
+        <p14:creationId xmlns:p14="http://schemas.microsoft.com/office/powerpoint/2010/main" val="1268190581"/>
       </p:ext>
     </p:extLst>
   </p:cSld>
@@ -709,126 +787,8 @@
           <a:p>
             <a:r>
               <a:rPr lang="hu-HU" dirty="0"/>
-              <a:t>Windows: </a:t>
-            </a:r>
-            <a:br>
-              <a:rPr lang="hu-HU" dirty="0"/>
-            </a:br>
-            <a:r>
-              <a:rPr lang="hu-HU" dirty="0"/>
-              <a:t>indítás: </a:t>
-            </a:r>
-            <a:r>
-              <a:rPr lang="hu-HU" dirty="0" err="1"/>
-              <a:t>xampp</a:t>
-            </a:r>
-            <a:r>
-              <a:rPr lang="hu-HU" dirty="0"/>
-              <a:t>, startphp.bat</a:t>
-            </a:r>
-          </a:p>
-          <a:p>
-            <a:r>
-              <a:rPr lang="hu-HU" dirty="0"/>
-              <a:t>Linux:</a:t>
-            </a:r>
-            <a:br>
-              <a:rPr lang="hu-HU" dirty="0"/>
-            </a:br>
-            <a:r>
-              <a:rPr lang="hu-HU" dirty="0"/>
-              <a:t>indítás startphp</a:t>
-            </a:r>
-          </a:p>
-          <a:p>
-            <a:pPr marL="0" indent="0">
-              <a:buNone/>
-            </a:pPr>
-            <a:r>
-              <a:rPr lang="hu-HU" dirty="0"/>
-              <a:t>Telepítés:</a:t>
-            </a:r>
-            <a:br>
-              <a:rPr lang="hu-HU" dirty="0"/>
-            </a:br>
-            <a:r>
-              <a:rPr lang="hu-HU" dirty="0" err="1"/>
-              <a:t>windows</a:t>
-            </a:r>
-            <a:r>
-              <a:rPr lang="hu-HU" dirty="0"/>
-              <a:t>: </a:t>
-            </a:r>
-            <a:r>
-              <a:rPr lang="hu-HU" dirty="0" err="1"/>
-              <a:t>xampp</a:t>
-            </a:r>
-            <a:r>
-              <a:rPr lang="hu-HU" dirty="0"/>
-              <a:t> =&gt; php </a:t>
-            </a:r>
-            <a:r>
-              <a:rPr lang="hu-HU" dirty="0" err="1"/>
-              <a:t>run</a:t>
-            </a:r>
-            <a:r>
-              <a:rPr lang="hu-HU" dirty="0"/>
-              <a:t> </a:t>
-            </a:r>
-            <a:r>
-              <a:rPr lang="hu-HU" dirty="0" err="1"/>
-              <a:t>init</a:t>
-            </a:r>
-            <a:r>
-              <a:rPr lang="hu-HU" dirty="0"/>
-              <a:t>-db</a:t>
-            </a:r>
-            <a:br>
-              <a:rPr lang="hu-HU" dirty="0"/>
-            </a:br>
-            <a:r>
-              <a:rPr lang="hu-HU" dirty="0" err="1"/>
-              <a:t>linux</a:t>
-            </a:r>
-            <a:r>
-              <a:rPr lang="hu-HU" dirty="0"/>
-              <a:t>: </a:t>
-            </a:r>
-            <a:r>
-              <a:rPr lang="hu-HU" dirty="0" err="1"/>
-              <a:t>mysql</a:t>
-            </a:r>
-            <a:r>
-              <a:rPr lang="hu-HU" dirty="0"/>
-              <a:t>, php (</a:t>
-            </a:r>
-            <a:r>
-              <a:rPr lang="hu-HU" dirty="0" err="1"/>
-              <a:t>install</a:t>
-            </a:r>
-            <a:r>
-              <a:rPr lang="hu-HU" dirty="0"/>
-              <a:t> script) =&gt; php </a:t>
-            </a:r>
-            <a:r>
-              <a:rPr lang="hu-HU" dirty="0" err="1"/>
-              <a:t>run</a:t>
-            </a:r>
-            <a:r>
-              <a:rPr lang="hu-HU" dirty="0"/>
-              <a:t> </a:t>
-            </a:r>
-            <a:r>
-              <a:rPr lang="hu-HU" dirty="0" err="1"/>
-              <a:t>init</a:t>
-            </a:r>
-            <a:r>
-              <a:rPr lang="hu-HU" dirty="0"/>
-              <a:t>-db</a:t>
-            </a:r>
-          </a:p>
-          <a:p>
-            <a:endParaRPr lang="hu-HU" dirty="0"/>
+              <a:t>Latex tudományos</a:t>
+            </a:r>
           </a:p>
         </p:txBody>
       </p:sp>
@@ -849,6 +809,207 @@
           <a:p>
             <a:fld id="{71CE05D7-2AB6-4AAE-88F4-FCCEC84BB5EF}" type="slidenum">
               <a:rPr lang="hu-HU" smtClean="0"/>
+              <a:t>17</a:t>
+            </a:fld>
+            <a:endParaRPr lang="hu-HU"/>
+          </a:p>
+        </p:txBody>
+      </p:sp>
+    </p:spTree>
+    <p:extLst>
+      <p:ext uri="{BB962C8B-B14F-4D97-AF65-F5344CB8AC3E}">
+        <p14:creationId xmlns:p14="http://schemas.microsoft.com/office/powerpoint/2010/main" val="2342585904"/>
+      </p:ext>
+    </p:extLst>
+  </p:cSld>
+  <p:clrMapOvr>
+    <a:masterClrMapping/>
+  </p:clrMapOvr>
+</p:notes>
+</file>
+
+<file path=ppt/notesSlides/notesSlide12.xml><?xml version="1.0" encoding="utf-8"?>
+<p:notes xmlns:a="http://schemas.openxmlformats.org/drawingml/2006/main" xmlns:r="http://schemas.openxmlformats.org/officeDocument/2006/relationships" xmlns:p="http://schemas.openxmlformats.org/presentationml/2006/main">
+  <p:cSld>
+    <p:spTree>
+      <p:nvGrpSpPr>
+        <p:cNvPr id="1" name=""/>
+        <p:cNvGrpSpPr/>
+        <p:nvPr/>
+      </p:nvGrpSpPr>
+      <p:grpSpPr>
+        <a:xfrm>
+          <a:off x="0" y="0"/>
+          <a:ext cx="0" cy="0"/>
+          <a:chOff x="0" y="0"/>
+          <a:chExt cx="0" cy="0"/>
+        </a:xfrm>
+      </p:grpSpPr>
+      <p:sp>
+        <p:nvSpPr>
+          <p:cNvPr id="2" name="Diakép helye 1"/>
+          <p:cNvSpPr>
+            <a:spLocks noGrp="1" noRot="1" noChangeAspect="1"/>
+          </p:cNvSpPr>
+          <p:nvPr>
+            <p:ph type="sldImg"/>
+          </p:nvPr>
+        </p:nvSpPr>
+        <p:spPr/>
+      </p:sp>
+      <p:sp>
+        <p:nvSpPr>
+          <p:cNvPr id="3" name="Jegyzetek helye 2"/>
+          <p:cNvSpPr>
+            <a:spLocks noGrp="1"/>
+          </p:cNvSpPr>
+          <p:nvPr>
+            <p:ph type="body" idx="1"/>
+          </p:nvPr>
+        </p:nvSpPr>
+        <p:spPr/>
+        <p:txBody>
+          <a:bodyPr/>
+          <a:lstStyle/>
+          <a:p>
+            <a:r>
+              <a:rPr lang="hu-HU" dirty="0"/>
+              <a:t>Windows: </a:t>
+            </a:r>
+            <a:br>
+              <a:rPr lang="hu-HU" dirty="0"/>
+            </a:br>
+            <a:r>
+              <a:rPr lang="hu-HU" dirty="0"/>
+              <a:t>indítás: </a:t>
+            </a:r>
+            <a:r>
+              <a:rPr lang="hu-HU" dirty="0" err="1"/>
+              <a:t>xampp</a:t>
+            </a:r>
+            <a:r>
+              <a:rPr lang="hu-HU" dirty="0"/>
+              <a:t>, startphp.bat</a:t>
+            </a:r>
+          </a:p>
+          <a:p>
+            <a:r>
+              <a:rPr lang="hu-HU" dirty="0">
+                <a:ea typeface="Calibri"/>
+                <a:cs typeface="Calibri"/>
+              </a:rPr>
+              <a:t>Telepítés: </a:t>
+            </a:r>
+            <a:r>
+              <a:rPr lang="hu-HU" err="1"/>
+              <a:t>xampp</a:t>
+            </a:r>
+            <a:r>
+              <a:rPr lang="hu-HU" dirty="0"/>
+              <a:t> =&gt; php </a:t>
+            </a:r>
+            <a:r>
+              <a:rPr lang="hu-HU" err="1"/>
+              <a:t>run</a:t>
+            </a:r>
+            <a:r>
+              <a:rPr lang="hu-HU" dirty="0"/>
+              <a:t> </a:t>
+            </a:r>
+            <a:r>
+              <a:rPr lang="hu-HU" err="1"/>
+              <a:t>init</a:t>
+            </a:r>
+            <a:r>
+              <a:rPr lang="hu-HU" dirty="0"/>
+              <a:t>-db</a:t>
+            </a:r>
+          </a:p>
+          <a:p>
+            <a:endParaRPr lang="hu-HU" dirty="0"/>
+          </a:p>
+          <a:p>
+            <a:r>
+              <a:rPr lang="hu-HU" dirty="0"/>
+              <a:t>Linux:</a:t>
+            </a:r>
+            <a:br>
+              <a:rPr lang="hu-HU" dirty="0"/>
+            </a:br>
+            <a:r>
+              <a:rPr lang="hu-HU" dirty="0"/>
+              <a:t>indítás startphp</a:t>
+            </a:r>
+          </a:p>
+          <a:p>
+            <a:r>
+              <a:rPr lang="hu-HU" dirty="0">
+                <a:ea typeface="Calibri"/>
+                <a:cs typeface="Calibri"/>
+              </a:rPr>
+              <a:t>Telepítés: </a:t>
+            </a:r>
+            <a:r>
+              <a:rPr lang="hu-HU" dirty="0" err="1"/>
+              <a:t>mysql</a:t>
+            </a:r>
+            <a:r>
+              <a:rPr lang="hu-HU" dirty="0"/>
+              <a:t>, php (</a:t>
+            </a:r>
+            <a:r>
+              <a:rPr lang="hu-HU" dirty="0" err="1"/>
+              <a:t>install</a:t>
+            </a:r>
+            <a:r>
+              <a:rPr lang="hu-HU" dirty="0"/>
+              <a:t> script) =&gt; php </a:t>
+            </a:r>
+            <a:r>
+              <a:rPr lang="hu-HU" dirty="0" err="1"/>
+              <a:t>run</a:t>
+            </a:r>
+            <a:r>
+              <a:rPr lang="hu-HU" dirty="0"/>
+              <a:t> </a:t>
+            </a:r>
+            <a:r>
+              <a:rPr lang="hu-HU" dirty="0" err="1"/>
+              <a:t>init</a:t>
+            </a:r>
+            <a:r>
+              <a:rPr lang="hu-HU" dirty="0"/>
+              <a:t>-db</a:t>
+            </a:r>
+          </a:p>
+          <a:p>
+            <a:pPr marL="0" indent="0">
+              <a:buNone/>
+            </a:pPr>
+            <a:endParaRPr lang="hu-HU" dirty="0">
+              <a:ea typeface="Calibri"/>
+              <a:cs typeface="Calibri"/>
+            </a:endParaRPr>
+          </a:p>
+        </p:txBody>
+      </p:sp>
+      <p:sp>
+        <p:nvSpPr>
+          <p:cNvPr id="4" name="Dia számának helye 3"/>
+          <p:cNvSpPr>
+            <a:spLocks noGrp="1"/>
+          </p:cNvSpPr>
+          <p:nvPr>
+            <p:ph type="sldNum" sz="quarter" idx="5"/>
+          </p:nvPr>
+        </p:nvSpPr>
+        <p:spPr/>
+        <p:txBody>
+          <a:bodyPr/>
+          <a:lstStyle/>
+          <a:p>
+            <a:fld id="{71CE05D7-2AB6-4AAE-88F4-FCCEC84BB5EF}" type="slidenum">
+              <a:rPr lang="hu-HU" smtClean="0"/>
               <a:t>18</a:t>
             </a:fld>
             <a:endParaRPr lang="hu-HU"/>
@@ -859,6 +1020,377 @@
     <p:extLst>
       <p:ext uri="{BB962C8B-B14F-4D97-AF65-F5344CB8AC3E}">
         <p14:creationId xmlns:p14="http://schemas.microsoft.com/office/powerpoint/2010/main" val="1648924451"/>
+      </p:ext>
+    </p:extLst>
+  </p:cSld>
+  <p:clrMapOvr>
+    <a:masterClrMapping/>
+  </p:clrMapOvr>
+</p:notes>
+</file>
+
+<file path=ppt/notesSlides/notesSlide13.xml><?xml version="1.0" encoding="utf-8"?>
+<p:notes xmlns:a="http://schemas.openxmlformats.org/drawingml/2006/main" xmlns:r="http://schemas.openxmlformats.org/officeDocument/2006/relationships" xmlns:p="http://schemas.openxmlformats.org/presentationml/2006/main">
+  <p:cSld>
+    <p:spTree>
+      <p:nvGrpSpPr>
+        <p:cNvPr id="1" name=""/>
+        <p:cNvGrpSpPr/>
+        <p:nvPr/>
+      </p:nvGrpSpPr>
+      <p:grpSpPr>
+        <a:xfrm>
+          <a:off x="0" y="0"/>
+          <a:ext cx="0" cy="0"/>
+          <a:chOff x="0" y="0"/>
+          <a:chExt cx="0" cy="0"/>
+        </a:xfrm>
+      </p:grpSpPr>
+      <p:sp>
+        <p:nvSpPr>
+          <p:cNvPr id="2" name="Diakép helye 1"/>
+          <p:cNvSpPr>
+            <a:spLocks noGrp="1" noRot="1" noChangeAspect="1"/>
+          </p:cNvSpPr>
+          <p:nvPr>
+            <p:ph type="sldImg"/>
+          </p:nvPr>
+        </p:nvSpPr>
+        <p:spPr/>
+      </p:sp>
+      <p:sp>
+        <p:nvSpPr>
+          <p:cNvPr id="3" name="Jegyzetek helye 2"/>
+          <p:cNvSpPr>
+            <a:spLocks noGrp="1"/>
+          </p:cNvSpPr>
+          <p:nvPr>
+            <p:ph type="body" idx="1"/>
+          </p:nvPr>
+        </p:nvSpPr>
+        <p:spPr/>
+        <p:txBody>
+          <a:bodyPr/>
+          <a:lstStyle/>
+          <a:p>
+            <a:r>
+              <a:rPr lang="en-US" dirty="0" err="1">
+                <a:ea typeface="Calibri"/>
+                <a:cs typeface="Calibri"/>
+              </a:rPr>
+              <a:t>Menü</a:t>
+            </a:r>
+          </a:p>
+          <a:p>
+            <a:r>
+              <a:rPr lang="en-US" dirty="0" err="1">
+                <a:ea typeface="Calibri"/>
+                <a:cs typeface="Calibri"/>
+              </a:rPr>
+              <a:t>Módosítás</a:t>
+            </a:r>
+          </a:p>
+          <a:p>
+            <a:r>
+              <a:rPr lang="en-US" dirty="0" err="1">
+                <a:ea typeface="Calibri"/>
+                <a:cs typeface="Calibri"/>
+              </a:rPr>
+              <a:t>Törlés</a:t>
+            </a:r>
+          </a:p>
+          <a:p>
+            <a:r>
+              <a:rPr lang="en-US" dirty="0" err="1">
+                <a:ea typeface="Calibri"/>
+                <a:cs typeface="Calibri"/>
+              </a:rPr>
+              <a:t>jogosultságok</a:t>
+            </a:r>
+          </a:p>
+        </p:txBody>
+      </p:sp>
+      <p:sp>
+        <p:nvSpPr>
+          <p:cNvPr id="4" name="Dia számának helye 3"/>
+          <p:cNvSpPr>
+            <a:spLocks noGrp="1"/>
+          </p:cNvSpPr>
+          <p:nvPr>
+            <p:ph type="sldNum" sz="quarter" idx="5"/>
+          </p:nvPr>
+        </p:nvSpPr>
+        <p:spPr/>
+        <p:txBody>
+          <a:bodyPr/>
+          <a:lstStyle/>
+          <a:p>
+            <a:fld id="{71CE05D7-2AB6-4AAE-88F4-FCCEC84BB5EF}" type="slidenum">
+              <a:rPr lang="hu-HU" smtClean="0"/>
+              <a:t>24</a:t>
+            </a:fld>
+            <a:endParaRPr lang="hu-HU"/>
+          </a:p>
+        </p:txBody>
+      </p:sp>
+    </p:spTree>
+    <p:extLst>
+      <p:ext uri="{BB962C8B-B14F-4D97-AF65-F5344CB8AC3E}">
+        <p14:creationId xmlns:p14="http://schemas.microsoft.com/office/powerpoint/2010/main" val="679896880"/>
+      </p:ext>
+    </p:extLst>
+  </p:cSld>
+  <p:clrMapOvr>
+    <a:masterClrMapping/>
+  </p:clrMapOvr>
+</p:notes>
+</file>
+
+<file path=ppt/notesSlides/notesSlide14.xml><?xml version="1.0" encoding="utf-8"?>
+<p:notes xmlns:a="http://schemas.openxmlformats.org/drawingml/2006/main" xmlns:r="http://schemas.openxmlformats.org/officeDocument/2006/relationships" xmlns:p="http://schemas.openxmlformats.org/presentationml/2006/main">
+  <p:cSld>
+    <p:spTree>
+      <p:nvGrpSpPr>
+        <p:cNvPr id="1" name=""/>
+        <p:cNvGrpSpPr/>
+        <p:nvPr/>
+      </p:nvGrpSpPr>
+      <p:grpSpPr>
+        <a:xfrm>
+          <a:off x="0" y="0"/>
+          <a:ext cx="0" cy="0"/>
+          <a:chOff x="0" y="0"/>
+          <a:chExt cx="0" cy="0"/>
+        </a:xfrm>
+      </p:grpSpPr>
+      <p:sp>
+        <p:nvSpPr>
+          <p:cNvPr id="2" name="Diakép helye 1"/>
+          <p:cNvSpPr>
+            <a:spLocks noGrp="1" noRot="1" noChangeAspect="1"/>
+          </p:cNvSpPr>
+          <p:nvPr>
+            <p:ph type="sldImg"/>
+          </p:nvPr>
+        </p:nvSpPr>
+        <p:spPr/>
+      </p:sp>
+      <p:sp>
+        <p:nvSpPr>
+          <p:cNvPr id="3" name="Jegyzetek helye 2"/>
+          <p:cNvSpPr>
+            <a:spLocks noGrp="1"/>
+          </p:cNvSpPr>
+          <p:nvPr>
+            <p:ph type="body" idx="1"/>
+          </p:nvPr>
+        </p:nvSpPr>
+        <p:spPr/>
+        <p:txBody>
+          <a:bodyPr/>
+          <a:lstStyle/>
+          <a:p>
+            <a:r>
+              <a:rPr lang="en-US" dirty="0" err="1">
+                <a:ea typeface="Calibri"/>
+                <a:cs typeface="Calibri"/>
+              </a:rPr>
+              <a:t>Írással</a:t>
+            </a:r>
+            <a:r>
+              <a:rPr lang="en-US" dirty="0">
+                <a:ea typeface="Calibri"/>
+                <a:cs typeface="Calibri"/>
+              </a:rPr>
+              <a:t> </a:t>
+            </a:r>
+            <a:r>
+              <a:rPr lang="en-US" dirty="0" err="1">
+                <a:ea typeface="Calibri"/>
+                <a:cs typeface="Calibri"/>
+              </a:rPr>
+              <a:t>lehet</a:t>
+            </a:r>
+            <a:r>
+              <a:rPr lang="en-US" dirty="0">
+                <a:ea typeface="Calibri"/>
+                <a:cs typeface="Calibri"/>
+              </a:rPr>
+              <a:t> </a:t>
+            </a:r>
+            <a:r>
+              <a:rPr lang="en-US" dirty="0" err="1">
+                <a:ea typeface="Calibri"/>
+                <a:cs typeface="Calibri"/>
+              </a:rPr>
+              <a:t>keresni</a:t>
+            </a:r>
+            <a:r>
+              <a:rPr lang="en-US" dirty="0">
+                <a:ea typeface="Calibri"/>
+                <a:cs typeface="Calibri"/>
+              </a:rPr>
+              <a:t> </a:t>
+            </a:r>
+            <a:r>
+              <a:rPr lang="en-US" dirty="0" err="1">
+                <a:ea typeface="Calibri"/>
+                <a:cs typeface="Calibri"/>
+              </a:rPr>
+              <a:t>az</a:t>
+            </a:r>
+            <a:r>
+              <a:rPr lang="en-US" dirty="0">
+                <a:ea typeface="Calibri"/>
+                <a:cs typeface="Calibri"/>
+              </a:rPr>
+              <a:t> </a:t>
+            </a:r>
+            <a:r>
+              <a:rPr lang="en-US" dirty="0" err="1">
+                <a:ea typeface="Calibri"/>
+                <a:cs typeface="Calibri"/>
+              </a:rPr>
+              <a:t>adott</a:t>
+            </a:r>
+            <a:r>
+              <a:rPr lang="en-US">
+                <a:ea typeface="Calibri"/>
+                <a:cs typeface="Calibri"/>
+              </a:rPr>
+              <a:t> terméket</a:t>
+            </a:r>
+            <a:endParaRPr lang="en-US" dirty="0">
+              <a:ea typeface="Calibri"/>
+              <a:cs typeface="Calibri"/>
+            </a:endParaRPr>
+          </a:p>
+          <a:p>
+            <a:r>
+              <a:rPr lang="en-US" dirty="0">
+                <a:ea typeface="Calibri"/>
+                <a:cs typeface="Calibri"/>
+              </a:rPr>
+              <a:t>Ki </a:t>
+            </a:r>
+            <a:r>
+              <a:rPr lang="en-US" dirty="0" err="1">
+                <a:ea typeface="Calibri"/>
+                <a:cs typeface="Calibri"/>
+              </a:rPr>
+              <a:t>lehet</a:t>
+            </a:r>
+            <a:r>
+              <a:rPr lang="en-US" dirty="0">
+                <a:ea typeface="Calibri"/>
+                <a:cs typeface="Calibri"/>
+              </a:rPr>
+              <a:t> </a:t>
+            </a:r>
+            <a:r>
+              <a:rPr lang="en-US" dirty="0" err="1">
+                <a:ea typeface="Calibri"/>
+                <a:cs typeface="Calibri"/>
+              </a:rPr>
+              <a:t>választni</a:t>
+            </a:r>
+            <a:r>
+              <a:rPr lang="en-US" dirty="0">
+                <a:ea typeface="Calibri"/>
+                <a:cs typeface="Calibri"/>
+              </a:rPr>
+              <a:t>, </a:t>
+            </a:r>
+            <a:r>
+              <a:rPr lang="en-US" dirty="0" err="1">
+                <a:ea typeface="Calibri"/>
+                <a:cs typeface="Calibri"/>
+              </a:rPr>
+              <a:t>hogy</a:t>
+            </a:r>
+            <a:r>
+              <a:rPr lang="en-US" dirty="0">
+                <a:ea typeface="Calibri"/>
+                <a:cs typeface="Calibri"/>
+              </a:rPr>
+              <a:t> </a:t>
+            </a:r>
+            <a:r>
+              <a:rPr lang="en-US" dirty="0" err="1">
+                <a:ea typeface="Calibri"/>
+                <a:cs typeface="Calibri"/>
+              </a:rPr>
+              <a:t>milyen</a:t>
+            </a:r>
+            <a:r>
+              <a:rPr lang="en-US" dirty="0">
+                <a:ea typeface="Calibri"/>
+                <a:cs typeface="Calibri"/>
+              </a:rPr>
+              <a:t> </a:t>
+            </a:r>
+            <a:r>
+              <a:rPr lang="en-US" dirty="0" err="1">
+                <a:ea typeface="Calibri"/>
+                <a:cs typeface="Calibri"/>
+              </a:rPr>
+              <a:t>adatokat</a:t>
+            </a:r>
+            <a:r>
+              <a:rPr lang="en-US" dirty="0">
+                <a:ea typeface="Calibri"/>
+                <a:cs typeface="Calibri"/>
+              </a:rPr>
+              <a:t> </a:t>
+            </a:r>
+            <a:r>
+              <a:rPr lang="en-US" dirty="0" err="1">
+                <a:ea typeface="Calibri"/>
+                <a:cs typeface="Calibri"/>
+              </a:rPr>
+              <a:t>szeretnénk</a:t>
+            </a:r>
+            <a:r>
+              <a:rPr lang="en-US">
+                <a:ea typeface="Calibri"/>
+                <a:cs typeface="Calibri"/>
+              </a:rPr>
+              <a:t> látni</a:t>
+            </a:r>
+            <a:endParaRPr lang="en-US" dirty="0">
+              <a:ea typeface="Calibri"/>
+              <a:cs typeface="Calibri"/>
+            </a:endParaRPr>
+          </a:p>
+        </p:txBody>
+      </p:sp>
+      <p:sp>
+        <p:nvSpPr>
+          <p:cNvPr id="4" name="Dia számának helye 3"/>
+          <p:cNvSpPr>
+            <a:spLocks noGrp="1"/>
+          </p:cNvSpPr>
+          <p:nvPr>
+            <p:ph type="sldNum" sz="quarter" idx="5"/>
+          </p:nvPr>
+        </p:nvSpPr>
+        <p:spPr/>
+        <p:txBody>
+          <a:bodyPr/>
+          <a:lstStyle/>
+          <a:p>
+            <a:fld id="{71CE05D7-2AB6-4AAE-88F4-FCCEC84BB5EF}" type="slidenum">
+              <a:rPr lang="hu-HU" smtClean="0"/>
+              <a:t>25</a:t>
+            </a:fld>
+            <a:endParaRPr lang="hu-HU"/>
+          </a:p>
+        </p:txBody>
+      </p:sp>
+    </p:spTree>
+    <p:extLst>
+      <p:ext uri="{BB962C8B-B14F-4D97-AF65-F5344CB8AC3E}">
+        <p14:creationId xmlns:p14="http://schemas.microsoft.com/office/powerpoint/2010/main" val="3236233415"/>
       </p:ext>
     </p:extLst>
   </p:cSld>
@@ -1460,11 +1992,167 @@
           <a:lstStyle/>
           <a:p>
             <a:r>
-              <a:rPr lang="hu-HU" dirty="0"/>
-              <a:t>Fájlrendszer:</a:t>
+              <a:rPr lang="hu-HU" dirty="0" err="1"/>
+              <a:t>This</a:t>
+            </a:r>
+            <a:r>
+              <a:rPr lang="hu-HU" dirty="0"/>
+              <a:t> diagram </a:t>
+            </a:r>
+            <a:r>
+              <a:rPr lang="hu-HU" dirty="0" err="1"/>
+              <a:t>outlines</a:t>
+            </a:r>
+            <a:r>
+              <a:rPr lang="hu-HU" dirty="0"/>
+              <a:t> </a:t>
+            </a:r>
+            <a:r>
+              <a:rPr lang="hu-HU" dirty="0" err="1"/>
+              <a:t>the</a:t>
+            </a:r>
+            <a:r>
+              <a:rPr lang="hu-HU" dirty="0"/>
+              <a:t> </a:t>
+            </a:r>
+            <a:r>
+              <a:rPr lang="hu-HU" dirty="0" err="1"/>
+              <a:t>internal</a:t>
+            </a:r>
+            <a:r>
+              <a:rPr lang="hu-HU" dirty="0"/>
+              <a:t> </a:t>
+            </a:r>
+            <a:r>
+              <a:rPr lang="hu-HU" dirty="0" err="1"/>
+              <a:t>architecture</a:t>
+            </a:r>
+            <a:r>
+              <a:rPr lang="hu-HU" dirty="0"/>
+              <a:t> and </a:t>
+            </a:r>
+            <a:r>
+              <a:rPr lang="hu-HU" dirty="0" err="1"/>
+              <a:t>component</a:t>
+            </a:r>
+            <a:r>
+              <a:rPr lang="hu-HU" dirty="0"/>
+              <a:t> </a:t>
+            </a:r>
+            <a:r>
+              <a:rPr lang="hu-HU" dirty="0" err="1"/>
+              <a:t>interaction</a:t>
+            </a:r>
+            <a:r>
+              <a:rPr lang="hu-HU" dirty="0"/>
+              <a:t> of a PHP server </a:t>
+            </a:r>
+            <a:r>
+              <a:rPr lang="hu-HU" dirty="0" err="1"/>
+              <a:t>system</a:t>
+            </a:r>
+            <a:r>
+              <a:rPr lang="hu-HU" dirty="0"/>
+              <a:t>, </a:t>
+            </a:r>
+            <a:r>
+              <a:rPr lang="hu-HU" dirty="0" err="1"/>
+              <a:t>specifically</a:t>
+            </a:r>
+            <a:r>
+              <a:rPr lang="hu-HU" dirty="0"/>
+              <a:t> </a:t>
+            </a:r>
+            <a:r>
+              <a:rPr lang="hu-HU" dirty="0" err="1"/>
+              <a:t>focusing</a:t>
+            </a:r>
+            <a:r>
+              <a:rPr lang="hu-HU" dirty="0"/>
+              <a:t> </a:t>
+            </a:r>
+            <a:r>
+              <a:rPr lang="hu-HU" dirty="0" err="1"/>
+              <a:t>on</a:t>
+            </a:r>
+            <a:r>
+              <a:rPr lang="hu-HU" dirty="0"/>
+              <a:t> </a:t>
+            </a:r>
+            <a:r>
+              <a:rPr lang="hu-HU" dirty="0" err="1"/>
+              <a:t>how</a:t>
+            </a:r>
+            <a:r>
+              <a:rPr lang="hu-HU" dirty="0"/>
+              <a:t> </a:t>
+            </a:r>
+            <a:r>
+              <a:rPr lang="hu-HU" dirty="0" err="1"/>
+              <a:t>authentication</a:t>
+            </a:r>
+            <a:r>
+              <a:rPr lang="hu-HU" dirty="0"/>
+              <a:t>, </a:t>
+            </a:r>
+            <a:r>
+              <a:rPr lang="hu-HU" dirty="0" err="1"/>
+              <a:t>authorization</a:t>
+            </a:r>
+            <a:r>
+              <a:rPr lang="hu-HU" dirty="0"/>
+              <a:t>, and </a:t>
+            </a:r>
+            <a:r>
+              <a:rPr lang="hu-HU" dirty="0" err="1"/>
+              <a:t>database</a:t>
+            </a:r>
+            <a:r>
+              <a:rPr lang="hu-HU" dirty="0"/>
+              <a:t> </a:t>
+            </a:r>
+            <a:r>
+              <a:rPr lang="hu-HU" dirty="0" err="1"/>
+              <a:t>operations</a:t>
+            </a:r>
+            <a:r>
+              <a:rPr lang="hu-HU" dirty="0"/>
+              <a:t> </a:t>
+            </a:r>
+            <a:r>
+              <a:rPr lang="hu-HU" dirty="0" err="1"/>
+              <a:t>are</a:t>
+            </a:r>
+            <a:r>
+              <a:rPr lang="hu-HU" dirty="0"/>
+              <a:t> </a:t>
+            </a:r>
+            <a:r>
+              <a:rPr lang="hu-HU" dirty="0" err="1"/>
+              <a:t>managed</a:t>
+            </a:r>
+            <a:r>
+              <a:rPr lang="hu-HU" dirty="0"/>
+              <a:t>.</a:t>
+            </a:r>
+          </a:p>
+          <a:p>
+            <a:r>
+              <a:rPr lang="hu-HU" dirty="0"/>
+              <a:t>File </a:t>
+            </a:r>
+            <a:r>
+              <a:rPr lang="hu-HU" dirty="0" err="1"/>
+              <a:t>system</a:t>
+            </a:r>
+            <a:r>
+              <a:rPr lang="hu-HU" dirty="0"/>
+              <a:t>:</a:t>
             </a:r>
             <a:br>
-              <a:rPr lang="hu-HU" dirty="0"/>
+              <a:rPr lang="hu-HU" dirty="0">
+                <a:cs typeface="+mn-lt"/>
+              </a:rPr>
             </a:br>
             <a:r>
               <a:rPr lang="hu-HU" dirty="0"/>
@@ -1476,13 +2164,543 @@
             </a:r>
             <a:r>
               <a:rPr lang="hu-HU" dirty="0"/>
-              <a:t>: értelmezi a beérkező kéréseket és meghívja a megfelelő kódrészletet</a:t>
-            </a:r>
-          </a:p>
-          <a:p>
-            <a:r>
-              <a:rPr lang="hu-HU" dirty="0"/>
-              <a:t>     -API: ellenőrzi a beérkező adatokat, és eldönti hogy mit kell visszaküldeni</a:t>
+              <a:t>: </a:t>
+            </a:r>
+            <a:r>
+              <a:rPr lang="hu-HU" dirty="0" err="1"/>
+              <a:t>Routes</a:t>
+            </a:r>
+            <a:r>
+              <a:rPr lang="hu-HU" dirty="0"/>
+              <a:t> </a:t>
+            </a:r>
+            <a:r>
+              <a:rPr lang="hu-HU" dirty="0" err="1"/>
+              <a:t>the</a:t>
+            </a:r>
+            <a:r>
+              <a:rPr lang="hu-HU" dirty="0"/>
+              <a:t> </a:t>
+            </a:r>
+            <a:r>
+              <a:rPr lang="hu-HU" dirty="0" err="1"/>
+              <a:t>requests</a:t>
+            </a:r>
+            <a:r>
+              <a:rPr lang="hu-HU" dirty="0"/>
+              <a:t> </a:t>
+            </a:r>
+            <a:r>
+              <a:rPr lang="hu-HU" dirty="0" err="1"/>
+              <a:t>to</a:t>
+            </a:r>
+            <a:r>
+              <a:rPr lang="hu-HU" dirty="0"/>
+              <a:t> </a:t>
+            </a:r>
+            <a:r>
+              <a:rPr lang="hu-HU" dirty="0" err="1"/>
+              <a:t>the</a:t>
+            </a:r>
+            <a:r>
+              <a:rPr lang="hu-HU" dirty="0"/>
+              <a:t> </a:t>
+            </a:r>
+            <a:r>
+              <a:rPr lang="hu-HU" dirty="0" err="1"/>
+              <a:t>appropriate</a:t>
+            </a:r>
+            <a:r>
+              <a:rPr lang="hu-HU" dirty="0"/>
+              <a:t> </a:t>
+            </a:r>
+            <a:r>
+              <a:rPr lang="hu-HU" dirty="0" err="1"/>
+              <a:t>components</a:t>
+            </a:r>
+            <a:r>
+              <a:rPr lang="hu-HU" dirty="0"/>
+              <a:t>.</a:t>
+            </a:r>
+            <a:endParaRPr lang="hu-HU" dirty="0">
+              <a:ea typeface="Calibri"/>
+              <a:cs typeface="Calibri"/>
+            </a:endParaRPr>
+          </a:p>
+          <a:p>
+            <a:r>
+              <a:rPr lang="hu-HU" dirty="0"/>
+              <a:t>     -API: </a:t>
+            </a:r>
+            <a:r>
+              <a:rPr lang="hu-HU" dirty="0" err="1"/>
+              <a:t>Checks</a:t>
+            </a:r>
+            <a:r>
+              <a:rPr lang="hu-HU" dirty="0"/>
+              <a:t> </a:t>
+            </a:r>
+            <a:r>
+              <a:rPr lang="hu-HU" dirty="0" err="1"/>
+              <a:t>incoming</a:t>
+            </a:r>
+            <a:r>
+              <a:rPr lang="hu-HU" dirty="0"/>
+              <a:t> </a:t>
+            </a:r>
+            <a:r>
+              <a:rPr lang="hu-HU" dirty="0" err="1"/>
+              <a:t>requests</a:t>
+            </a:r>
+            <a:r>
+              <a:rPr lang="hu-HU" dirty="0"/>
+              <a:t> and </a:t>
+            </a:r>
+            <a:r>
+              <a:rPr lang="hu-HU" dirty="0" err="1"/>
+              <a:t>validates</a:t>
+            </a:r>
+            <a:r>
+              <a:rPr lang="hu-HU" dirty="0"/>
+              <a:t> </a:t>
+            </a:r>
+            <a:r>
+              <a:rPr lang="hu-HU" dirty="0" err="1"/>
+              <a:t>the</a:t>
+            </a:r>
+            <a:r>
+              <a:rPr lang="hu-HU" dirty="0"/>
+              <a:t> </a:t>
+            </a:r>
+            <a:r>
+              <a:rPr lang="hu-HU" dirty="0" err="1"/>
+              <a:t>data</a:t>
+            </a:r>
+            <a:r>
+              <a:rPr lang="hu-HU" dirty="0"/>
+              <a:t> </a:t>
+            </a:r>
+            <a:r>
+              <a:rPr lang="hu-HU" dirty="0" err="1"/>
+              <a:t>to</a:t>
+            </a:r>
+            <a:r>
+              <a:rPr lang="hu-HU" dirty="0"/>
+              <a:t> </a:t>
+            </a:r>
+            <a:r>
+              <a:rPr lang="hu-HU" dirty="0" err="1"/>
+              <a:t>decide</a:t>
+            </a:r>
+            <a:r>
+              <a:rPr lang="hu-HU" dirty="0"/>
+              <a:t> </a:t>
+            </a:r>
+            <a:r>
+              <a:rPr lang="hu-HU" dirty="0" err="1"/>
+              <a:t>what</a:t>
+            </a:r>
+            <a:r>
+              <a:rPr lang="hu-HU" dirty="0"/>
+              <a:t> </a:t>
+            </a:r>
+            <a:r>
+              <a:rPr lang="hu-HU" dirty="0" err="1"/>
+              <a:t>should</a:t>
+            </a:r>
+            <a:r>
+              <a:rPr lang="hu-HU" dirty="0"/>
+              <a:t> be   </a:t>
+            </a:r>
+            <a:r>
+              <a:rPr lang="hu-HU" dirty="0" err="1"/>
+              <a:t>returned</a:t>
+            </a:r>
+            <a:r>
+              <a:rPr lang="hu-HU" dirty="0"/>
+              <a:t>.</a:t>
+            </a:r>
+            <a:endParaRPr lang="hu-HU" dirty="0">
+              <a:ea typeface="Calibri" panose="020F0502020204030204"/>
+              <a:cs typeface="Calibri" panose="020F0502020204030204"/>
+            </a:endParaRPr>
+          </a:p>
+          <a:p>
+            <a:r>
+              <a:rPr lang="hu-HU" dirty="0">
+                <a:ea typeface="Calibri"/>
+                <a:cs typeface="Calibri"/>
+              </a:rPr>
+              <a:t>  -</a:t>
+            </a:r>
+            <a:r>
+              <a:rPr lang="hu-HU" dirty="0" err="1">
+                <a:ea typeface="Calibri"/>
+                <a:cs typeface="Calibri"/>
+              </a:rPr>
+              <a:t>Authorization</a:t>
+            </a:r>
+            <a:r>
+              <a:rPr lang="hu-HU" dirty="0">
+                <a:ea typeface="Calibri"/>
+                <a:cs typeface="Calibri"/>
+              </a:rPr>
+              <a:t>: </a:t>
+            </a:r>
+            <a:r>
+              <a:rPr lang="hu-HU" dirty="0" err="1">
+                <a:ea typeface="Calibri"/>
+                <a:cs typeface="Calibri"/>
+              </a:rPr>
+              <a:t>Manages</a:t>
+            </a:r>
+            <a:r>
+              <a:rPr lang="hu-HU" dirty="0">
+                <a:ea typeface="Calibri"/>
+                <a:cs typeface="Calibri"/>
+              </a:rPr>
+              <a:t> </a:t>
+            </a:r>
+            <a:r>
+              <a:rPr lang="hu-HU" dirty="0" err="1">
+                <a:ea typeface="Calibri"/>
+                <a:cs typeface="Calibri"/>
+              </a:rPr>
+              <a:t>user</a:t>
+            </a:r>
+            <a:r>
+              <a:rPr lang="hu-HU" dirty="0">
+                <a:ea typeface="Calibri"/>
+                <a:cs typeface="Calibri"/>
+              </a:rPr>
+              <a:t> </a:t>
+            </a:r>
+            <a:r>
+              <a:rPr lang="hu-HU" dirty="0" err="1">
+                <a:ea typeface="Calibri"/>
+                <a:cs typeface="Calibri"/>
+              </a:rPr>
+              <a:t>permissions</a:t>
+            </a:r>
+            <a:r>
+              <a:rPr lang="hu-HU" dirty="0">
+                <a:ea typeface="Calibri"/>
+                <a:cs typeface="Calibri"/>
+              </a:rPr>
+              <a:t> and </a:t>
+            </a:r>
+            <a:r>
+              <a:rPr lang="hu-HU" dirty="0" err="1">
+                <a:ea typeface="Calibri"/>
+                <a:cs typeface="Calibri"/>
+              </a:rPr>
+              <a:t>access</a:t>
+            </a:r>
+            <a:r>
+              <a:rPr lang="hu-HU" dirty="0">
+                <a:ea typeface="Calibri"/>
+                <a:cs typeface="Calibri"/>
+              </a:rPr>
+              <a:t> </a:t>
+            </a:r>
+            <a:r>
+              <a:rPr lang="hu-HU" dirty="0" err="1">
+                <a:ea typeface="Calibri"/>
+                <a:cs typeface="Calibri"/>
+              </a:rPr>
+              <a:t>control</a:t>
+            </a:r>
+            <a:r>
+              <a:rPr lang="hu-HU" dirty="0">
+                <a:ea typeface="Calibri"/>
+                <a:cs typeface="Calibri"/>
+              </a:rPr>
+              <a:t>.</a:t>
+            </a:r>
+            <a:endParaRPr lang="hu-HU" dirty="0"/>
+          </a:p>
+          <a:p>
+            <a:r>
+              <a:rPr lang="hu-HU" dirty="0">
+                <a:ea typeface="Calibri"/>
+                <a:cs typeface="Calibri"/>
+              </a:rPr>
+              <a:t>  - </a:t>
+            </a:r>
+            <a:r>
+              <a:rPr lang="hu-HU" dirty="0" err="1">
+                <a:ea typeface="Calibri"/>
+                <a:cs typeface="Calibri"/>
+              </a:rPr>
+              <a:t>Authentication</a:t>
+            </a:r>
+            <a:r>
+              <a:rPr lang="hu-HU" dirty="0">
+                <a:ea typeface="Calibri"/>
+                <a:cs typeface="Calibri"/>
+              </a:rPr>
+              <a:t>: </a:t>
+            </a:r>
+            <a:r>
+              <a:rPr lang="hu-HU" dirty="0" err="1"/>
+              <a:t>Responsible</a:t>
+            </a:r>
+            <a:r>
+              <a:rPr lang="hu-HU" dirty="0"/>
+              <a:t> </a:t>
+            </a:r>
+            <a:r>
+              <a:rPr lang="hu-HU" dirty="0" err="1"/>
+              <a:t>for</a:t>
+            </a:r>
+            <a:r>
+              <a:rPr lang="hu-HU" dirty="0"/>
+              <a:t> </a:t>
+            </a:r>
+            <a:r>
+              <a:rPr lang="hu-HU" dirty="0" err="1"/>
+              <a:t>handling</a:t>
+            </a:r>
+            <a:r>
+              <a:rPr lang="hu-HU" dirty="0"/>
+              <a:t> </a:t>
+            </a:r>
+            <a:r>
+              <a:rPr lang="hu-HU" dirty="0" err="1"/>
+              <a:t>user</a:t>
+            </a:r>
+            <a:r>
+              <a:rPr lang="hu-HU" dirty="0"/>
+              <a:t> </a:t>
+            </a:r>
+            <a:r>
+              <a:rPr lang="hu-HU" dirty="0" err="1"/>
+              <a:t>identity</a:t>
+            </a:r>
+            <a:r>
+              <a:rPr lang="hu-HU" dirty="0"/>
+              <a:t> </a:t>
+            </a:r>
+            <a:r>
+              <a:rPr lang="hu-HU" dirty="0" err="1"/>
+              <a:t>verification</a:t>
+            </a:r>
+            <a:r>
+              <a:rPr lang="hu-HU" dirty="0"/>
+              <a:t>. </a:t>
+            </a:r>
+            <a:r>
+              <a:rPr lang="hu-HU" dirty="0" err="1"/>
+              <a:t>It</a:t>
+            </a:r>
+            <a:r>
+              <a:rPr lang="hu-HU" dirty="0"/>
+              <a:t> is </a:t>
+            </a:r>
+            <a:r>
+              <a:rPr lang="hu-HU" dirty="0" err="1"/>
+              <a:t>used</a:t>
+            </a:r>
+            <a:r>
+              <a:rPr lang="hu-HU" dirty="0"/>
+              <a:t> </a:t>
+            </a:r>
+            <a:r>
+              <a:rPr lang="hu-HU" dirty="0" err="1"/>
+              <a:t>when</a:t>
+            </a:r>
+            <a:r>
+              <a:rPr lang="hu-HU" dirty="0"/>
+              <a:t>   </a:t>
+            </a:r>
+            <a:r>
+              <a:rPr lang="hu-HU" dirty="0" err="1"/>
+              <a:t>someone</a:t>
+            </a:r>
+            <a:r>
+              <a:rPr lang="hu-HU" dirty="0"/>
+              <a:t> </a:t>
+            </a:r>
+            <a:r>
+              <a:rPr lang="hu-HU" dirty="0" err="1"/>
+              <a:t>tries</a:t>
+            </a:r>
+            <a:r>
+              <a:rPr lang="hu-HU" dirty="0"/>
+              <a:t> </a:t>
+            </a:r>
+            <a:r>
+              <a:rPr lang="hu-HU" dirty="0" err="1"/>
+              <a:t>to</a:t>
+            </a:r>
+            <a:r>
+              <a:rPr lang="hu-HU" dirty="0"/>
+              <a:t> log in.</a:t>
+            </a:r>
+          </a:p>
+          <a:p>
+            <a:r>
+              <a:rPr lang="hu-HU" dirty="0">
+                <a:ea typeface="Calibri"/>
+                <a:cs typeface="Calibri"/>
+              </a:rPr>
+              <a:t>  - XDB: </a:t>
+            </a:r>
+            <a:r>
+              <a:rPr lang="hu-HU" dirty="0"/>
+              <a:t>A </a:t>
+            </a:r>
+            <a:r>
+              <a:rPr lang="hu-HU" dirty="0" err="1"/>
+              <a:t>bridge</a:t>
+            </a:r>
+            <a:r>
+              <a:rPr lang="hu-HU" dirty="0"/>
+              <a:t> </a:t>
+            </a:r>
+            <a:r>
+              <a:rPr lang="hu-HU" dirty="0" err="1"/>
+              <a:t>between</a:t>
+            </a:r>
+            <a:r>
+              <a:rPr lang="hu-HU" dirty="0"/>
+              <a:t> </a:t>
+            </a:r>
+            <a:r>
+              <a:rPr lang="hu-HU" dirty="0" err="1"/>
+              <a:t>the</a:t>
+            </a:r>
+            <a:r>
+              <a:rPr lang="hu-HU" dirty="0"/>
+              <a:t> API </a:t>
+            </a:r>
+            <a:r>
+              <a:rPr lang="hu-HU" dirty="0" err="1"/>
+              <a:t>layer</a:t>
+            </a:r>
+            <a:r>
+              <a:rPr lang="hu-HU" dirty="0"/>
+              <a:t> and </a:t>
+            </a:r>
+            <a:r>
+              <a:rPr lang="hu-HU" dirty="0" err="1"/>
+              <a:t>the</a:t>
+            </a:r>
+            <a:r>
+              <a:rPr lang="hu-HU" dirty="0"/>
+              <a:t> </a:t>
+            </a:r>
+            <a:r>
+              <a:rPr lang="hu-HU" dirty="0" err="1"/>
+              <a:t>database</a:t>
+            </a:r>
+            <a:r>
+              <a:rPr lang="hu-HU" dirty="0"/>
+              <a:t> </a:t>
+            </a:r>
+            <a:r>
+              <a:rPr lang="hu-HU" dirty="0" err="1"/>
+              <a:t>layer</a:t>
+            </a:r>
+            <a:r>
+              <a:rPr lang="hu-HU" dirty="0"/>
+              <a:t>. </a:t>
+            </a:r>
+            <a:r>
+              <a:rPr lang="hu-HU" dirty="0" err="1"/>
+              <a:t>It</a:t>
+            </a:r>
+            <a:r>
+              <a:rPr lang="hu-HU" dirty="0"/>
+              <a:t> </a:t>
+            </a:r>
+            <a:r>
+              <a:rPr lang="hu-HU" dirty="0" err="1"/>
+              <a:t>connects</a:t>
+            </a:r>
+            <a:r>
+              <a:rPr lang="hu-HU" dirty="0"/>
+              <a:t> </a:t>
+            </a:r>
+            <a:r>
+              <a:rPr lang="hu-HU" dirty="0" err="1"/>
+              <a:t>with</a:t>
+            </a:r>
+            <a:r>
+              <a:rPr lang="hu-HU" dirty="0"/>
+              <a:t> </a:t>
+            </a:r>
+            <a:r>
+              <a:rPr lang="hu-HU" dirty="0" err="1"/>
+              <a:t>BaseTrait</a:t>
+            </a:r>
+            <a:r>
+              <a:rPr lang="hu-HU" dirty="0"/>
+              <a:t> </a:t>
+            </a:r>
+            <a:r>
+              <a:rPr lang="hu-HU" dirty="0" err="1"/>
+              <a:t>so</a:t>
+            </a:r>
+            <a:r>
+              <a:rPr lang="hu-HU" dirty="0"/>
+              <a:t> </a:t>
+            </a:r>
+            <a:r>
+              <a:rPr lang="hu-HU" dirty="0" err="1"/>
+              <a:t>it</a:t>
+            </a:r>
+            <a:r>
+              <a:rPr lang="hu-HU" dirty="0"/>
+              <a:t> </a:t>
+            </a:r>
+            <a:r>
+              <a:rPr lang="hu-HU" dirty="0" err="1"/>
+              <a:t>can</a:t>
+            </a:r>
+            <a:r>
+              <a:rPr lang="hu-HU" dirty="0"/>
+              <a:t> </a:t>
+            </a:r>
+            <a:r>
+              <a:rPr lang="hu-HU" dirty="0" err="1"/>
+              <a:t>copmmunicate</a:t>
+            </a:r>
+            <a:r>
+              <a:rPr lang="hu-HU" dirty="0"/>
+              <a:t> </a:t>
+            </a:r>
+            <a:r>
+              <a:rPr lang="hu-HU" dirty="0" err="1"/>
+              <a:t>with</a:t>
+            </a:r>
+            <a:r>
+              <a:rPr lang="hu-HU" dirty="0"/>
+              <a:t> </a:t>
+            </a:r>
+            <a:r>
+              <a:rPr lang="hu-HU" dirty="0" err="1"/>
+              <a:t>authentication</a:t>
+            </a:r>
+            <a:r>
+              <a:rPr lang="hu-HU" dirty="0"/>
+              <a:t>/</a:t>
+            </a:r>
+            <a:r>
+              <a:rPr lang="hu-HU" dirty="0" err="1"/>
+              <a:t>authorization</a:t>
+            </a:r>
+            <a:r>
+              <a:rPr lang="hu-HU" dirty="0"/>
+              <a:t> </a:t>
+            </a:r>
+            <a:r>
+              <a:rPr lang="hu-HU" dirty="0" err="1"/>
+              <a:t>modules</a:t>
+            </a:r>
+            <a:r>
+              <a:rPr lang="hu-HU" dirty="0"/>
+              <a:t>.</a:t>
             </a:r>
           </a:p>
           <a:p>
@@ -1496,36 +2714,213 @@
             </a:r>
             <a:r>
               <a:rPr lang="hu-HU" dirty="0"/>
-              <a:t>: Módosít, töröl, lekér adatokat az adatbázisból</a:t>
-            </a:r>
-          </a:p>
-          <a:p>
-            <a:r>
-              <a:rPr lang="hu-HU" dirty="0"/>
-              <a:t>     -</a:t>
+              <a:t>: </a:t>
             </a:r>
             <a:r>
               <a:rPr lang="hu-HU" dirty="0" err="1"/>
-              <a:t>Logic</a:t>
-            </a:r>
-            <a:r>
-              <a:rPr lang="hu-HU" dirty="0"/>
-              <a:t>: adatbázisból érkező adatokat tárolja osztályok formájában</a:t>
-            </a:r>
-          </a:p>
-          <a:p>
-            <a:r>
-              <a:rPr lang="hu-HU" dirty="0"/>
-              <a:t>     -</a:t>
+              <a:t>Connects</a:t>
+            </a:r>
+            <a:r>
+              <a:rPr lang="hu-HU" dirty="0"/>
+              <a:t> </a:t>
             </a:r>
             <a:r>
               <a:rPr lang="hu-HU" dirty="0" err="1"/>
-              <a:t>Response</a:t>
-            </a:r>
-            <a:r>
-              <a:rPr lang="hu-HU" dirty="0"/>
-              <a:t>: Megformázza és visszaküldi az adatokat</a:t>
-            </a:r>
+              <a:t>to</a:t>
+            </a:r>
+            <a:r>
+              <a:rPr lang="hu-HU" dirty="0"/>
+              <a:t> </a:t>
+            </a:r>
+            <a:r>
+              <a:rPr lang="hu-HU" dirty="0" err="1"/>
+              <a:t>the</a:t>
+            </a:r>
+            <a:r>
+              <a:rPr lang="hu-HU" dirty="0"/>
+              <a:t> </a:t>
+            </a:r>
+            <a:r>
+              <a:rPr lang="hu-HU" dirty="0" err="1"/>
+              <a:t>MySql</a:t>
+            </a:r>
+            <a:r>
+              <a:rPr lang="hu-HU" dirty="0"/>
+              <a:t> Server  and </a:t>
+            </a:r>
+            <a:r>
+              <a:rPr lang="hu-HU" dirty="0" err="1"/>
+              <a:t>handles</a:t>
+            </a:r>
+            <a:r>
+              <a:rPr lang="hu-HU" dirty="0"/>
+              <a:t> </a:t>
+            </a:r>
+            <a:r>
+              <a:rPr lang="hu-HU" dirty="0" err="1"/>
+              <a:t>core</a:t>
+            </a:r>
+            <a:r>
+              <a:rPr lang="hu-HU" dirty="0"/>
+              <a:t> </a:t>
+            </a:r>
+            <a:r>
+              <a:rPr lang="hu-HU" dirty="0" err="1"/>
+              <a:t>data</a:t>
+            </a:r>
+            <a:r>
+              <a:rPr lang="hu-HU" dirty="0"/>
+              <a:t> </a:t>
+            </a:r>
+            <a:r>
+              <a:rPr lang="hu-HU" dirty="0" err="1"/>
+              <a:t>operations</a:t>
+            </a:r>
+            <a:r>
+              <a:rPr lang="hu-HU" dirty="0"/>
+              <a:t> like   </a:t>
+            </a:r>
+            <a:r>
+              <a:rPr lang="hu-HU" dirty="0" err="1"/>
+              <a:t>modifies</a:t>
+            </a:r>
+            <a:r>
+              <a:rPr lang="hu-HU" dirty="0"/>
+              <a:t>, </a:t>
+            </a:r>
+            <a:r>
+              <a:rPr lang="hu-HU" dirty="0" err="1"/>
+              <a:t>deletes</a:t>
+            </a:r>
+            <a:r>
+              <a:rPr lang="hu-HU" dirty="0"/>
+              <a:t>, and </a:t>
+            </a:r>
+            <a:r>
+              <a:rPr lang="hu-HU" dirty="0" err="1"/>
+              <a:t>retrieves</a:t>
+            </a:r>
+            <a:r>
+              <a:rPr lang="hu-HU" dirty="0"/>
+              <a:t> </a:t>
+            </a:r>
+            <a:r>
+              <a:rPr lang="hu-HU" dirty="0" err="1"/>
+              <a:t>data</a:t>
+            </a:r>
+            <a:r>
+              <a:rPr lang="hu-HU" dirty="0"/>
+              <a:t> </a:t>
+            </a:r>
+            <a:r>
+              <a:rPr lang="hu-HU" dirty="0" err="1"/>
+              <a:t>from</a:t>
+            </a:r>
+            <a:r>
+              <a:rPr lang="hu-HU" dirty="0"/>
+              <a:t> </a:t>
+            </a:r>
+            <a:r>
+              <a:rPr lang="hu-HU" dirty="0" err="1"/>
+              <a:t>the</a:t>
+            </a:r>
+            <a:r>
+              <a:rPr lang="hu-HU" dirty="0"/>
+              <a:t> </a:t>
+            </a:r>
+            <a:r>
+              <a:rPr lang="hu-HU" dirty="0" err="1"/>
+              <a:t>database</a:t>
+            </a:r>
+            <a:r>
+              <a:rPr lang="hu-HU" dirty="0"/>
+              <a:t>.</a:t>
+            </a:r>
+            <a:endParaRPr lang="hu-HU" dirty="0">
+              <a:ea typeface="Calibri"/>
+              <a:cs typeface="Calibri"/>
+            </a:endParaRPr>
+          </a:p>
+          <a:p>
+            <a:r>
+              <a:rPr lang="hu-HU" dirty="0">
+                <a:ea typeface="Calibri"/>
+                <a:cs typeface="Calibri"/>
+              </a:rPr>
+              <a:t> </a:t>
+            </a:r>
+            <a:r>
+              <a:rPr lang="hu-HU" dirty="0"/>
+              <a:t>-</a:t>
+            </a:r>
+            <a:r>
+              <a:rPr lang="hu-HU" dirty="0" err="1"/>
+              <a:t>Settings</a:t>
+            </a:r>
+            <a:r>
+              <a:rPr lang="hu-HU" b="1" dirty="0"/>
+              <a:t>:</a:t>
+            </a:r>
+            <a:r>
+              <a:rPr lang="hu-HU" dirty="0"/>
+              <a:t> </a:t>
+            </a:r>
+            <a:r>
+              <a:rPr lang="hu-HU" dirty="0" err="1"/>
+              <a:t>Reads</a:t>
+            </a:r>
+            <a:r>
+              <a:rPr lang="hu-HU" dirty="0"/>
+              <a:t> </a:t>
+            </a:r>
+            <a:r>
+              <a:rPr lang="hu-HU" dirty="0" err="1"/>
+              <a:t>the</a:t>
+            </a:r>
+            <a:r>
+              <a:rPr lang="hu-HU" dirty="0"/>
+              <a:t> </a:t>
+            </a:r>
+            <a:r>
+              <a:rPr lang="hu-HU" dirty="0" err="1"/>
+              <a:t>config</a:t>
+            </a:r>
+            <a:r>
+              <a:rPr lang="hu-HU" dirty="0"/>
+              <a:t> file and </a:t>
+            </a:r>
+            <a:r>
+              <a:rPr lang="hu-HU" dirty="0" err="1"/>
+              <a:t>configures</a:t>
+            </a:r>
+            <a:r>
+              <a:rPr lang="hu-HU" dirty="0"/>
+              <a:t> </a:t>
+            </a:r>
+            <a:r>
+              <a:rPr lang="hu-HU" dirty="0" err="1"/>
+              <a:t>the</a:t>
+            </a:r>
+            <a:r>
+              <a:rPr lang="hu-HU" dirty="0"/>
+              <a:t> server </a:t>
+            </a:r>
+            <a:r>
+              <a:rPr lang="hu-HU" dirty="0" err="1"/>
+              <a:t>accordingly</a:t>
+            </a:r>
+            <a:r>
+              <a:rPr lang="hu-HU" dirty="0"/>
+              <a:t>.</a:t>
+            </a:r>
+            <a:r>
+              <a:rPr lang="hu-HU" dirty="0">
+                <a:ea typeface="Calibri"/>
+                <a:cs typeface="Calibri"/>
+              </a:rPr>
+              <a:t> </a:t>
+            </a:r>
+            <a:endParaRPr lang="hu-HU" dirty="0"/>
           </a:p>
           <a:p>
             <a:r>
@@ -1542,12 +2937,96 @@
             </a:r>
             <a:r>
               <a:rPr lang="hu-HU" dirty="0" err="1"/>
-              <a:t>Debug</a:t>
-            </a:r>
-            <a:r>
-              <a:rPr lang="hu-HU" dirty="0"/>
-              <a:t> üzeneteket ír egy CSV fájlba ahol meg lehet nézni hogy mit csinált a szerver</a:t>
-            </a:r>
+              <a:t>Writes</a:t>
+            </a:r>
+            <a:r>
+              <a:rPr lang="hu-HU" dirty="0"/>
+              <a:t> </a:t>
+            </a:r>
+            <a:r>
+              <a:rPr lang="hu-HU" dirty="0" err="1"/>
+              <a:t>debug</a:t>
+            </a:r>
+            <a:r>
+              <a:rPr lang="hu-HU" dirty="0"/>
+              <a:t> </a:t>
+            </a:r>
+            <a:r>
+              <a:rPr lang="hu-HU" dirty="0" err="1"/>
+              <a:t>messages</a:t>
+            </a:r>
+            <a:r>
+              <a:rPr lang="hu-HU" dirty="0"/>
+              <a:t> </a:t>
+            </a:r>
+            <a:r>
+              <a:rPr lang="hu-HU" dirty="0" err="1"/>
+              <a:t>to</a:t>
+            </a:r>
+            <a:r>
+              <a:rPr lang="hu-HU" dirty="0"/>
+              <a:t> a CSV file, </a:t>
+            </a:r>
+            <a:r>
+              <a:rPr lang="hu-HU" dirty="0" err="1"/>
+              <a:t>where</a:t>
+            </a:r>
+            <a:r>
+              <a:rPr lang="hu-HU" dirty="0"/>
+              <a:t> </a:t>
+            </a:r>
+            <a:r>
+              <a:rPr lang="hu-HU" dirty="0" err="1"/>
+              <a:t>we</a:t>
+            </a:r>
+            <a:r>
+              <a:rPr lang="hu-HU" dirty="0"/>
+              <a:t> </a:t>
+            </a:r>
+            <a:r>
+              <a:rPr lang="hu-HU" dirty="0" err="1"/>
+              <a:t>can</a:t>
+            </a:r>
+            <a:r>
+              <a:rPr lang="hu-HU" dirty="0"/>
+              <a:t> </a:t>
+            </a:r>
+            <a:r>
+              <a:rPr lang="hu-HU" dirty="0" err="1"/>
+              <a:t>review</a:t>
+            </a:r>
+            <a:r>
+              <a:rPr lang="hu-HU" dirty="0"/>
+              <a:t> </a:t>
+            </a:r>
+            <a:r>
+              <a:rPr lang="hu-HU" dirty="0" err="1"/>
+              <a:t>what</a:t>
+            </a:r>
+            <a:r>
+              <a:rPr lang="hu-HU" dirty="0"/>
+              <a:t> </a:t>
+            </a:r>
+            <a:r>
+              <a:rPr lang="hu-HU" dirty="0" err="1"/>
+              <a:t>the</a:t>
+            </a:r>
+            <a:r>
+              <a:rPr lang="hu-HU" dirty="0"/>
+              <a:t> server </a:t>
+            </a:r>
+            <a:r>
+              <a:rPr lang="hu-HU" dirty="0" err="1"/>
+              <a:t>did</a:t>
+            </a:r>
+            <a:r>
+              <a:rPr lang="hu-HU" dirty="0"/>
+              <a:t>.</a:t>
+            </a:r>
+            <a:endParaRPr lang="hu-HU" dirty="0">
+              <a:ea typeface="Calibri"/>
+              <a:cs typeface="Calibri"/>
+            </a:endParaRPr>
           </a:p>
           <a:p>
             <a:r>
@@ -1560,7 +3039,23 @@
             </a:r>
             <a:r>
               <a:rPr lang="hu-HU" dirty="0"/>
-              <a:t>: beolvassa a </a:t>
+              <a:t>: </a:t>
+            </a:r>
+            <a:r>
+              <a:rPr lang="hu-HU" dirty="0" err="1"/>
+              <a:t>Reads</a:t>
+            </a:r>
+            <a:r>
+              <a:rPr lang="hu-HU" dirty="0"/>
+              <a:t> </a:t>
+            </a:r>
+            <a:r>
+              <a:rPr lang="hu-HU" dirty="0" err="1"/>
+              <a:t>the</a:t>
+            </a:r>
+            <a:r>
+              <a:rPr lang="hu-HU" dirty="0"/>
+              <a:t> </a:t>
             </a:r>
             <a:r>
               <a:rPr lang="hu-HU" dirty="0" err="1"/>
@@ -1568,16 +3063,28 @@
             </a:r>
             <a:r>
               <a:rPr lang="hu-HU" dirty="0"/>
-              <a:t> fájlt és beállítja ennek </a:t>
+              <a:t> file and </a:t>
             </a:r>
             <a:r>
               <a:rPr lang="hu-HU" dirty="0" err="1"/>
-              <a:t>megfelően</a:t>
-            </a:r>
-            <a:r>
-              <a:rPr lang="hu-HU" dirty="0"/>
-              <a:t> a szervert</a:t>
-            </a:r>
+              <a:t>configures</a:t>
+            </a:r>
+            <a:r>
+              <a:rPr lang="hu-HU" dirty="0"/>
+              <a:t> </a:t>
+            </a:r>
+            <a:r>
+              <a:rPr lang="hu-HU" dirty="0" err="1"/>
+              <a:t>the</a:t>
+            </a:r>
+            <a:r>
+              <a:rPr lang="hu-HU" dirty="0"/>
+              <a:t> server.</a:t>
+            </a:r>
+            <a:endParaRPr lang="hu-HU" dirty="0">
+              <a:ea typeface="Calibri"/>
+              <a:cs typeface="Calibri"/>
+            </a:endParaRPr>
           </a:p>
         </p:txBody>
       </p:sp>
@@ -1825,146 +3332,112 @@
           <a:lstStyle/>
           <a:p>
             <a:r>
-              <a:rPr lang="hu-HU" dirty="0"/>
-              <a:t>WEB:</a:t>
-            </a:r>
-          </a:p>
-          <a:p>
-            <a:r>
-              <a:rPr lang="hu-HU" dirty="0" err="1"/>
-              <a:t>Template-eket</a:t>
-            </a:r>
-            <a:r>
-              <a:rPr lang="hu-HU" dirty="0"/>
-              <a:t> használunk</a:t>
-            </a:r>
-          </a:p>
-          <a:p>
-            <a:r>
-              <a:rPr lang="hu-HU" dirty="0"/>
-              <a:t>Aszinkron működés </a:t>
-            </a:r>
-            <a:r>
-              <a:rPr lang="hu-HU" dirty="0" err="1"/>
-              <a:t>js</a:t>
-            </a:r>
-            <a:r>
-              <a:rPr lang="hu-HU" dirty="0"/>
-              <a:t>-ben</a:t>
-            </a:r>
-          </a:p>
-          <a:p>
-            <a:endParaRPr lang="hu-HU" dirty="0"/>
-          </a:p>
-          <a:p>
-            <a:r>
-              <a:rPr lang="hu-HU" dirty="0"/>
-              <a:t>Java </a:t>
-            </a:r>
-            <a:r>
-              <a:rPr lang="hu-HU" dirty="0" err="1"/>
-              <a:t>library</a:t>
-            </a:r>
-            <a:r>
-              <a:rPr lang="hu-HU" dirty="0"/>
-              <a:t>:</a:t>
-            </a:r>
-          </a:p>
-          <a:p>
-            <a:r>
-              <a:rPr lang="hu-HU" dirty="0" err="1"/>
-              <a:t>Api</a:t>
-            </a:r>
-            <a:r>
-              <a:rPr lang="hu-HU" dirty="0"/>
-              <a:t> kommunikáció a feladata. Csak meghívjuk a függvényeket és megkapjuk az adatokat</a:t>
-            </a:r>
-          </a:p>
-          <a:p>
-            <a:r>
-              <a:rPr lang="hu-HU" dirty="0"/>
-              <a:t>Asztali:</a:t>
-            </a:r>
-          </a:p>
-          <a:p>
-            <a:r>
-              <a:rPr lang="hu-HU" dirty="0" err="1"/>
-              <a:t>Netbeans</a:t>
-            </a:r>
-            <a:r>
-              <a:rPr lang="hu-HU" dirty="0"/>
-              <a:t>-ben csináltuk (java)</a:t>
-            </a:r>
-          </a:p>
-          <a:p>
-            <a:r>
-              <a:rPr lang="hu-HU" dirty="0"/>
-              <a:t>Mobilis:</a:t>
-            </a:r>
-          </a:p>
-          <a:p>
-            <a:r>
-              <a:rPr lang="hu-HU" dirty="0"/>
-              <a:t>Android </a:t>
-            </a:r>
-            <a:r>
-              <a:rPr lang="hu-HU" dirty="0" err="1"/>
-              <a:t>studioban</a:t>
-            </a:r>
-            <a:r>
-              <a:rPr lang="hu-HU" dirty="0"/>
-              <a:t> csináltuk (java)</a:t>
-            </a:r>
-          </a:p>
-          <a:p>
-            <a:endParaRPr lang="hu-HU" dirty="0"/>
-          </a:p>
-          <a:p>
-            <a:r>
-              <a:rPr lang="hu-HU" dirty="0"/>
-              <a:t>Egyéb:</a:t>
-            </a:r>
-          </a:p>
-          <a:p>
-            <a:r>
-              <a:rPr lang="hu-HU" dirty="0" err="1"/>
-              <a:t>Svg</a:t>
-            </a:r>
-            <a:r>
-              <a:rPr lang="hu-HU" dirty="0"/>
-              <a:t> ikonokat használtunk: akármeddig nagyobbítható</a:t>
-            </a:r>
-          </a:p>
-          <a:p>
-            <a:r>
-              <a:rPr lang="hu-HU" dirty="0"/>
-              <a:t>2 nyelv van: hu/</a:t>
-            </a:r>
-            <a:r>
-              <a:rPr lang="hu-HU" dirty="0" err="1"/>
-              <a:t>en</a:t>
-            </a:r>
-            <a:endParaRPr lang="hu-HU" dirty="0"/>
-          </a:p>
-          <a:p>
-            <a:r>
-              <a:rPr lang="hu-HU" dirty="0"/>
-              <a:t>A kódba nyelvkódokat írtunk és egy </a:t>
-            </a:r>
-            <a:r>
-              <a:rPr lang="hu-HU" dirty="0" err="1"/>
-              <a:t>jsonből</a:t>
-            </a:r>
-            <a:r>
-              <a:rPr lang="hu-HU" dirty="0"/>
-              <a:t> kiolvasva kicseréli a megfelelő szövegre</a:t>
-            </a:r>
-          </a:p>
-          <a:p>
-            <a:endParaRPr lang="hu-HU" dirty="0"/>
-          </a:p>
-          <a:p>
-            <a:endParaRPr lang="hu-HU" dirty="0"/>
+              <a:rPr lang="en-US" dirty="0">
+                <a:ea typeface="Calibri"/>
+                <a:cs typeface="Calibri"/>
+              </a:rPr>
+              <a:t>-ban </a:t>
+            </a:r>
+            <a:r>
+              <a:rPr lang="en-US" dirty="0" err="1">
+                <a:ea typeface="Calibri"/>
+                <a:cs typeface="Calibri"/>
+              </a:rPr>
+              <a:t>íródott</a:t>
+            </a:r>
+            <a:r>
+              <a:rPr lang="en-US" dirty="0">
+                <a:ea typeface="Calibri"/>
+                <a:cs typeface="Calibri"/>
+              </a:rPr>
+              <a:t> </a:t>
+            </a:r>
+            <a:r>
+              <a:rPr lang="en-US" dirty="0" err="1">
+                <a:ea typeface="Calibri"/>
+                <a:cs typeface="Calibri"/>
+              </a:rPr>
+              <a:t>autómata</a:t>
+            </a:r>
+            <a:r>
+              <a:rPr lang="en-US" dirty="0">
+                <a:ea typeface="Calibri"/>
+                <a:cs typeface="Calibri"/>
+              </a:rPr>
+              <a:t> </a:t>
+            </a:r>
+            <a:r>
+              <a:rPr lang="en-US" dirty="0" err="1">
+                <a:ea typeface="Calibri"/>
+                <a:cs typeface="Calibri"/>
+              </a:rPr>
+              <a:t>teszteket</a:t>
+            </a:r>
+            <a:r>
+              <a:rPr lang="en-US" dirty="0">
+                <a:ea typeface="Calibri"/>
+                <a:cs typeface="Calibri"/>
+              </a:rPr>
+              <a:t> </a:t>
+            </a:r>
+            <a:r>
+              <a:rPr lang="en-US" dirty="0" err="1">
+                <a:ea typeface="Calibri"/>
+                <a:cs typeface="Calibri"/>
+              </a:rPr>
+              <a:t>használunk</a:t>
+            </a:r>
+            <a:r>
+              <a:rPr lang="en-US" dirty="0">
+                <a:ea typeface="Calibri"/>
+                <a:cs typeface="Calibri"/>
+              </a:rPr>
+              <a:t>, </a:t>
+            </a:r>
+            <a:r>
+              <a:rPr lang="en-US" dirty="0" err="1">
+                <a:ea typeface="Calibri"/>
+                <a:cs typeface="Calibri"/>
+              </a:rPr>
+              <a:t>amely</a:t>
+            </a:r>
+            <a:r>
+              <a:rPr lang="en-US" dirty="0">
+                <a:ea typeface="Calibri"/>
+                <a:cs typeface="Calibri"/>
+              </a:rPr>
+              <a:t> </a:t>
+            </a:r>
+            <a:r>
+              <a:rPr lang="en-US" dirty="0" err="1">
+                <a:ea typeface="Calibri"/>
+                <a:cs typeface="Calibri"/>
+              </a:rPr>
+              <a:t>az</a:t>
+            </a:r>
+          </a:p>
+          <a:p>
+            <a:r>
+              <a:rPr lang="en-US" dirty="0" err="1">
+                <a:ea typeface="Calibri"/>
+                <a:cs typeface="Calibri"/>
+              </a:rPr>
+              <a:t>Módszert</a:t>
+            </a:r>
+            <a:r>
+              <a:rPr lang="en-US" dirty="0">
+                <a:ea typeface="Calibri"/>
+                <a:cs typeface="Calibri"/>
+              </a:rPr>
+              <a:t> </a:t>
+            </a:r>
+            <a:r>
+              <a:rPr lang="en-US" dirty="0" err="1">
+                <a:ea typeface="Calibri"/>
+                <a:cs typeface="Calibri"/>
+              </a:rPr>
+              <a:t>alkalmazva</a:t>
+            </a:r>
           </a:p>
         </p:txBody>
       </p:sp>
@@ -1985,7 +3458,7 @@
           <a:p>
             <a:fld id="{71CE05D7-2AB6-4AAE-88F4-FCCEC84BB5EF}" type="slidenum">
               <a:rPr lang="hu-HU" smtClean="0"/>
-              <a:t>11</a:t>
+              <a:t>8</a:t>
             </a:fld>
             <a:endParaRPr lang="hu-HU"/>
           </a:p>
@@ -1994,7 +3467,7 @@
     </p:spTree>
     <p:extLst>
       <p:ext uri="{BB962C8B-B14F-4D97-AF65-F5344CB8AC3E}">
-        <p14:creationId xmlns:p14="http://schemas.microsoft.com/office/powerpoint/2010/main" val="4235093243"/>
+        <p14:creationId xmlns:p14="http://schemas.microsoft.com/office/powerpoint/2010/main" val="36735082"/>
       </p:ext>
     </p:extLst>
   </p:cSld>
@@ -2209,7 +3682,7 @@
           <a:p>
             <a:fld id="{71CE05D7-2AB6-4AAE-88F4-FCCEC84BB5EF}" type="slidenum">
               <a:rPr lang="hu-HU" smtClean="0"/>
-              <a:t>12</a:t>
+              <a:t>11</a:t>
             </a:fld>
             <a:endParaRPr lang="hu-HU"/>
           </a:p>
@@ -2218,7 +3691,7 @@
     </p:spTree>
     <p:extLst>
       <p:ext uri="{BB962C8B-B14F-4D97-AF65-F5344CB8AC3E}">
-        <p14:creationId xmlns:p14="http://schemas.microsoft.com/office/powerpoint/2010/main" val="3711321353"/>
+        <p14:creationId xmlns:p14="http://schemas.microsoft.com/office/powerpoint/2010/main" val="4235093243"/>
       </p:ext>
     </p:extLst>
   </p:cSld>
@@ -2272,6 +3745,146 @@
           <a:bodyPr/>
           <a:lstStyle/>
           <a:p>
+            <a:r>
+              <a:rPr lang="hu-HU" dirty="0"/>
+              <a:t>WEB:</a:t>
+            </a:r>
+          </a:p>
+          <a:p>
+            <a:r>
+              <a:rPr lang="hu-HU" dirty="0" err="1"/>
+              <a:t>Template-eket</a:t>
+            </a:r>
+            <a:r>
+              <a:rPr lang="hu-HU" dirty="0"/>
+              <a:t> használunk</a:t>
+            </a:r>
+          </a:p>
+          <a:p>
+            <a:r>
+              <a:rPr lang="hu-HU" dirty="0"/>
+              <a:t>Aszinkron működés </a:t>
+            </a:r>
+            <a:r>
+              <a:rPr lang="hu-HU" dirty="0" err="1"/>
+              <a:t>js</a:t>
+            </a:r>
+            <a:r>
+              <a:rPr lang="hu-HU" dirty="0"/>
+              <a:t>-ben</a:t>
+            </a:r>
+          </a:p>
+          <a:p>
+            <a:endParaRPr lang="hu-HU" dirty="0"/>
+          </a:p>
+          <a:p>
+            <a:r>
+              <a:rPr lang="hu-HU" dirty="0"/>
+              <a:t>Java </a:t>
+            </a:r>
+            <a:r>
+              <a:rPr lang="hu-HU" dirty="0" err="1"/>
+              <a:t>library</a:t>
+            </a:r>
+            <a:r>
+              <a:rPr lang="hu-HU" dirty="0"/>
+              <a:t>:</a:t>
+            </a:r>
+          </a:p>
+          <a:p>
+            <a:r>
+              <a:rPr lang="hu-HU" dirty="0" err="1"/>
+              <a:t>Api</a:t>
+            </a:r>
+            <a:r>
+              <a:rPr lang="hu-HU" dirty="0"/>
+              <a:t> kommunikáció a feladata. Csak meghívjuk a függvényeket és megkapjuk az adatokat</a:t>
+            </a:r>
+          </a:p>
+          <a:p>
+            <a:r>
+              <a:rPr lang="hu-HU" dirty="0"/>
+              <a:t>Asztali:</a:t>
+            </a:r>
+          </a:p>
+          <a:p>
+            <a:r>
+              <a:rPr lang="hu-HU" dirty="0" err="1"/>
+              <a:t>Netbeans</a:t>
+            </a:r>
+            <a:r>
+              <a:rPr lang="hu-HU" dirty="0"/>
+              <a:t>-ben csináltuk (java)</a:t>
+            </a:r>
+          </a:p>
+          <a:p>
+            <a:r>
+              <a:rPr lang="hu-HU" dirty="0"/>
+              <a:t>Mobilis:</a:t>
+            </a:r>
+          </a:p>
+          <a:p>
+            <a:r>
+              <a:rPr lang="hu-HU" dirty="0"/>
+              <a:t>Android </a:t>
+            </a:r>
+            <a:r>
+              <a:rPr lang="hu-HU" dirty="0" err="1"/>
+              <a:t>studioban</a:t>
+            </a:r>
+            <a:r>
+              <a:rPr lang="hu-HU" dirty="0"/>
+              <a:t> csináltuk (java)</a:t>
+            </a:r>
+          </a:p>
+          <a:p>
+            <a:endParaRPr lang="hu-HU" dirty="0"/>
+          </a:p>
+          <a:p>
+            <a:r>
+              <a:rPr lang="hu-HU" dirty="0"/>
+              <a:t>Egyéb:</a:t>
+            </a:r>
+          </a:p>
+          <a:p>
+            <a:r>
+              <a:rPr lang="hu-HU" dirty="0" err="1"/>
+              <a:t>Svg</a:t>
+            </a:r>
+            <a:r>
+              <a:rPr lang="hu-HU" dirty="0"/>
+              <a:t> ikonokat használtunk: akármeddig nagyobbítható</a:t>
+            </a:r>
+          </a:p>
+          <a:p>
+            <a:r>
+              <a:rPr lang="hu-HU" dirty="0"/>
+              <a:t>2 nyelv van: hu/</a:t>
+            </a:r>
+            <a:r>
+              <a:rPr lang="hu-HU" dirty="0" err="1"/>
+              <a:t>en</a:t>
+            </a:r>
+            <a:endParaRPr lang="hu-HU" dirty="0"/>
+          </a:p>
+          <a:p>
+            <a:r>
+              <a:rPr lang="hu-HU" dirty="0"/>
+              <a:t>A kódba nyelvkódokat írtunk és egy </a:t>
+            </a:r>
+            <a:r>
+              <a:rPr lang="hu-HU" dirty="0" err="1"/>
+              <a:t>jsonből</a:t>
+            </a:r>
+            <a:r>
+              <a:rPr lang="hu-HU" dirty="0"/>
+              <a:t> kiolvasva kicseréli a megfelelő szövegre</a:t>
+            </a:r>
+          </a:p>
+          <a:p>
+            <a:endParaRPr lang="hu-HU" dirty="0"/>
+          </a:p>
+          <a:p>
             <a:endParaRPr lang="hu-HU" dirty="0"/>
           </a:p>
         </p:txBody>
@@ -2293,7 +3906,7 @@
           <a:p>
             <a:fld id="{71CE05D7-2AB6-4AAE-88F4-FCCEC84BB5EF}" type="slidenum">
               <a:rPr lang="hu-HU" smtClean="0"/>
-              <a:t>14</a:t>
+              <a:t>12</a:t>
             </a:fld>
             <a:endParaRPr lang="hu-HU"/>
           </a:p>
@@ -2302,7 +3915,7 @@
     </p:spTree>
     <p:extLst>
       <p:ext uri="{BB962C8B-B14F-4D97-AF65-F5344CB8AC3E}">
-        <p14:creationId xmlns:p14="http://schemas.microsoft.com/office/powerpoint/2010/main" val="1268190581"/>
+        <p14:creationId xmlns:p14="http://schemas.microsoft.com/office/powerpoint/2010/main" val="3711321353"/>
       </p:ext>
     </p:extLst>
   </p:cSld>
@@ -2538,7 +4151,7 @@
           <a:p>
             <a:fld id="{4EAE93E4-0A36-479D-8E8F-F508ACE6EE82}" type="datetimeFigureOut">
               <a:rPr lang="hu-HU" smtClean="0"/>
-              <a:t>2025. 04. 07.</a:t>
+              <a:t>2025. 04. 10.</a:t>
             </a:fld>
             <a:endParaRPr lang="hu-HU"/>
           </a:p>
@@ -2746,7 +4359,7 @@
           <a:p>
             <a:fld id="{4EAE93E4-0A36-479D-8E8F-F508ACE6EE82}" type="datetimeFigureOut">
               <a:rPr lang="hu-HU" smtClean="0"/>
-              <a:t>2025. 04. 07.</a:t>
+              <a:t>2025. 04. 10.</a:t>
             </a:fld>
             <a:endParaRPr lang="hu-HU"/>
           </a:p>
@@ -3002,7 +4615,7 @@
           <a:p>
             <a:fld id="{4EAE93E4-0A36-479D-8E8F-F508ACE6EE82}" type="datetimeFigureOut">
               <a:rPr lang="hu-HU" smtClean="0"/>
-              <a:t>2025. 04. 07.</a:t>
+              <a:t>2025. 04. 10.</a:t>
             </a:fld>
             <a:endParaRPr lang="hu-HU"/>
           </a:p>
@@ -3176,7 +4789,7 @@
           <a:p>
             <a:fld id="{4EAE93E4-0A36-479D-8E8F-F508ACE6EE82}" type="datetimeFigureOut">
               <a:rPr lang="hu-HU" smtClean="0"/>
-              <a:t>2025. 04. 07.</a:t>
+              <a:t>2025. 04. 10.</a:t>
             </a:fld>
             <a:endParaRPr lang="hu-HU"/>
           </a:p>
@@ -3519,7 +5132,7 @@
           <a:p>
             <a:fld id="{4EAE93E4-0A36-479D-8E8F-F508ACE6EE82}" type="datetimeFigureOut">
               <a:rPr lang="hu-HU" smtClean="0"/>
-              <a:t>2025. 04. 07.</a:t>
+              <a:t>2025. 04. 10.</a:t>
             </a:fld>
             <a:endParaRPr lang="hu-HU"/>
           </a:p>
@@ -3794,7 +5407,7 @@
           <a:p>
             <a:fld id="{4EAE93E4-0A36-479D-8E8F-F508ACE6EE82}" type="datetimeFigureOut">
               <a:rPr lang="hu-HU" smtClean="0"/>
-              <a:t>2025. 04. 07.</a:t>
+              <a:t>2025. 04. 10.</a:t>
             </a:fld>
             <a:endParaRPr lang="hu-HU"/>
           </a:p>
@@ -4173,7 +5786,7 @@
           <a:p>
             <a:fld id="{4EAE93E4-0A36-479D-8E8F-F508ACE6EE82}" type="datetimeFigureOut">
               <a:rPr lang="hu-HU" smtClean="0"/>
-              <a:t>2025. 04. 07.</a:t>
+              <a:t>2025. 04. 10.</a:t>
             </a:fld>
             <a:endParaRPr lang="hu-HU"/>
           </a:p>
@@ -4291,7 +5904,7 @@
           <a:p>
             <a:fld id="{4EAE93E4-0A36-479D-8E8F-F508ACE6EE82}" type="datetimeFigureOut">
               <a:rPr lang="hu-HU" smtClean="0"/>
-              <a:t>2025. 04. 07.</a:t>
+              <a:t>2025. 04. 10.</a:t>
             </a:fld>
             <a:endParaRPr lang="hu-HU"/>
           </a:p>
@@ -4462,7 +6075,7 @@
           <a:p>
             <a:fld id="{4EAE93E4-0A36-479D-8E8F-F508ACE6EE82}" type="datetimeFigureOut">
               <a:rPr lang="hu-HU" smtClean="0"/>
-              <a:t>2025. 04. 07.</a:t>
+              <a:t>2025. 04. 10.</a:t>
             </a:fld>
             <a:endParaRPr lang="hu-HU"/>
           </a:p>
@@ -4816,7 +6429,7 @@
           <a:p>
             <a:fld id="{4EAE93E4-0A36-479D-8E8F-F508ACE6EE82}" type="datetimeFigureOut">
               <a:rPr lang="hu-HU" smtClean="0"/>
-              <a:t>2025. 04. 07.</a:t>
+              <a:t>2025. 04. 10.</a:t>
             </a:fld>
             <a:endParaRPr lang="hu-HU"/>
           </a:p>
@@ -5198,7 +6811,7 @@
           <a:p>
             <a:fld id="{4EAE93E4-0A36-479D-8E8F-F508ACE6EE82}" type="datetimeFigureOut">
               <a:rPr lang="hu-HU" smtClean="0"/>
-              <a:t>2025. 04. 07.</a:t>
+              <a:t>2025. 04. 10.</a:t>
             </a:fld>
             <a:endParaRPr lang="hu-HU"/>
           </a:p>
@@ -5485,7 +7098,7 @@
           <a:p>
             <a:fld id="{4EAE93E4-0A36-479D-8E8F-F508ACE6EE82}" type="datetimeFigureOut">
               <a:rPr lang="hu-HU" smtClean="0"/>
-              <a:t>2025. 04. 07.</a:t>
+              <a:t>2025. 04. 10.</a:t>
             </a:fld>
             <a:endParaRPr lang="hu-HU"/>
           </a:p>
@@ -14862,7 +16475,7 @@
           <p:nvPr/>
         </p:nvPicPr>
         <p:blipFill>
-          <a:blip r:embed="rId2">
+          <a:blip r:embed="rId3">
             <a:extLst>
               <a:ext uri="{28A0092B-C50C-407E-A947-70E740481C1C}">
                 <a14:useLocalDpi xmlns:a14="http://schemas.microsoft.com/office/drawing/2010/main" val="0"/>
@@ -14898,7 +16511,7 @@
           <p:nvPr/>
         </p:nvPicPr>
         <p:blipFill>
-          <a:blip r:embed="rId3">
+          <a:blip r:embed="rId4">
             <a:extLst>
               <a:ext uri="{28A0092B-C50C-407E-A947-70E740481C1C}">
                 <a14:useLocalDpi xmlns:a14="http://schemas.microsoft.com/office/drawing/2010/main" val="0"/>
@@ -14934,7 +16547,7 @@
           <p:nvPr/>
         </p:nvPicPr>
         <p:blipFill>
-          <a:blip r:embed="rId4">
+          <a:blip r:embed="rId5">
             <a:extLst>
               <a:ext uri="{28A0092B-C50C-407E-A947-70E740481C1C}">
                 <a14:useLocalDpi xmlns:a14="http://schemas.microsoft.com/office/drawing/2010/main" val="0"/>
@@ -15028,7 +16641,7 @@
           <p:nvPr/>
         </p:nvPicPr>
         <p:blipFill>
-          <a:blip r:embed="rId2">
+          <a:blip r:embed="rId3">
             <a:extLst>
               <a:ext uri="{28A0092B-C50C-407E-A947-70E740481C1C}">
                 <a14:useLocalDpi xmlns:a14="http://schemas.microsoft.com/office/drawing/2010/main" val="0"/>
@@ -15064,7 +16677,7 @@
           <p:nvPr/>
         </p:nvPicPr>
         <p:blipFill>
-          <a:blip r:embed="rId3">
+          <a:blip r:embed="rId4">
             <a:extLst>
               <a:ext uri="{28A0092B-C50C-407E-A947-70E740481C1C}">
                 <a14:useLocalDpi xmlns:a14="http://schemas.microsoft.com/office/drawing/2010/main" val="0"/>
@@ -15100,7 +16713,7 @@
           <p:nvPr/>
         </p:nvPicPr>
         <p:blipFill>
-          <a:blip r:embed="rId4">
+          <a:blip r:embed="rId5">
             <a:extLst>
               <a:ext uri="{28A0092B-C50C-407E-A947-70E740481C1C}">
                 <a14:useLocalDpi xmlns:a14="http://schemas.microsoft.com/office/drawing/2010/main" val="0"/>
@@ -17330,6 +18943,7 @@
             </a:extLst>
           </p:cNvPr>
           <p:cNvCxnSpPr>
+            <a:cxnSpLocks/>
             <a:stCxn id="17" idx="3"/>
             <a:endCxn id="20" idx="1"/>
           </p:cNvCxnSpPr>

--- a/bemutató.pptx
+++ b/bemutató.pptx
@@ -221,6 +221,29 @@
       </pc:sldChg>
     </pc:docChg>
   </pc:docChgLst>
+  <pc:docChgLst>
+    <pc:chgData name="Kiss Kolos Attila" userId="S::kiss.kolos.attila2004@tanulo.boronkay.hu::1f59dda1-4b06-4868-9765-77ccce1b6985" providerId="AD" clId="Web-{D7E64AC2-3907-43C3-AA00-42B442804185}"/>
+    <pc:docChg chg="modSld">
+      <pc:chgData name="Kiss Kolos Attila" userId="S::kiss.kolos.attila2004@tanulo.boronkay.hu::1f59dda1-4b06-4868-9765-77ccce1b6985" providerId="AD" clId="Web-{D7E64AC2-3907-43C3-AA00-42B442804185}" dt="2025-04-10T13:26:37.577" v="48"/>
+      <pc:docMkLst>
+        <pc:docMk/>
+      </pc:docMkLst>
+      <pc:sldChg chg="modNotes">
+        <pc:chgData name="Kiss Kolos Attila" userId="S::kiss.kolos.attila2004@tanulo.boronkay.hu::1f59dda1-4b06-4868-9765-77ccce1b6985" providerId="AD" clId="Web-{D7E64AC2-3907-43C3-AA00-42B442804185}" dt="2025-04-10T13:26:37.577" v="48"/>
+        <pc:sldMkLst>
+          <pc:docMk/>
+          <pc:sldMk cId="1855894160" sldId="270"/>
+        </pc:sldMkLst>
+      </pc:sldChg>
+      <pc:sldChg chg="modNotes">
+        <pc:chgData name="Kiss Kolos Attila" userId="S::kiss.kolos.attila2004@tanulo.boronkay.hu::1f59dda1-4b06-4868-9765-77ccce1b6985" providerId="AD" clId="Web-{D7E64AC2-3907-43C3-AA00-42B442804185}" dt="2025-04-10T12:59:55.466" v="32"/>
+        <pc:sldMkLst>
+          <pc:docMk/>
+          <pc:sldMk cId="2677785518" sldId="279"/>
+        </pc:sldMkLst>
+      </pc:sldChg>
+    </pc:docChg>
+  </pc:docChgLst>
 </pc:chgInfo>
 </file>
 
@@ -701,6 +724,146 @@
           <a:bodyPr/>
           <a:lstStyle/>
           <a:p>
+            <a:r>
+              <a:rPr lang="hu-HU" dirty="0"/>
+              <a:t>WEB:</a:t>
+            </a:r>
+          </a:p>
+          <a:p>
+            <a:r>
+              <a:rPr lang="hu-HU" dirty="0" err="1"/>
+              <a:t>Template-eket</a:t>
+            </a:r>
+            <a:r>
+              <a:rPr lang="hu-HU" dirty="0"/>
+              <a:t> használunk</a:t>
+            </a:r>
+          </a:p>
+          <a:p>
+            <a:r>
+              <a:rPr lang="hu-HU" dirty="0"/>
+              <a:t>Aszinkron működés </a:t>
+            </a:r>
+            <a:r>
+              <a:rPr lang="hu-HU" dirty="0" err="1"/>
+              <a:t>js</a:t>
+            </a:r>
+            <a:r>
+              <a:rPr lang="hu-HU" dirty="0"/>
+              <a:t>-ben</a:t>
+            </a:r>
+          </a:p>
+          <a:p>
+            <a:endParaRPr lang="hu-HU" dirty="0"/>
+          </a:p>
+          <a:p>
+            <a:r>
+              <a:rPr lang="hu-HU" dirty="0"/>
+              <a:t>Java </a:t>
+            </a:r>
+            <a:r>
+              <a:rPr lang="hu-HU" dirty="0" err="1"/>
+              <a:t>library</a:t>
+            </a:r>
+            <a:r>
+              <a:rPr lang="hu-HU" dirty="0"/>
+              <a:t>:</a:t>
+            </a:r>
+          </a:p>
+          <a:p>
+            <a:r>
+              <a:rPr lang="hu-HU" dirty="0" err="1"/>
+              <a:t>Api</a:t>
+            </a:r>
+            <a:r>
+              <a:rPr lang="hu-HU" dirty="0"/>
+              <a:t> kommunikáció a feladata. Csak meghívjuk a függvényeket és megkapjuk az adatokat</a:t>
+            </a:r>
+          </a:p>
+          <a:p>
+            <a:r>
+              <a:rPr lang="hu-HU" dirty="0"/>
+              <a:t>Asztali:</a:t>
+            </a:r>
+          </a:p>
+          <a:p>
+            <a:r>
+              <a:rPr lang="hu-HU" dirty="0" err="1"/>
+              <a:t>Netbeans</a:t>
+            </a:r>
+            <a:r>
+              <a:rPr lang="hu-HU" dirty="0"/>
+              <a:t>-ben csináltuk (java)</a:t>
+            </a:r>
+          </a:p>
+          <a:p>
+            <a:r>
+              <a:rPr lang="hu-HU" dirty="0"/>
+              <a:t>Mobilis:</a:t>
+            </a:r>
+          </a:p>
+          <a:p>
+            <a:r>
+              <a:rPr lang="hu-HU" dirty="0"/>
+              <a:t>Android </a:t>
+            </a:r>
+            <a:r>
+              <a:rPr lang="hu-HU" dirty="0" err="1"/>
+              <a:t>studioban</a:t>
+            </a:r>
+            <a:r>
+              <a:rPr lang="hu-HU" dirty="0"/>
+              <a:t> csináltuk (java)</a:t>
+            </a:r>
+          </a:p>
+          <a:p>
+            <a:endParaRPr lang="hu-HU" dirty="0"/>
+          </a:p>
+          <a:p>
+            <a:r>
+              <a:rPr lang="hu-HU" dirty="0"/>
+              <a:t>Egyéb:</a:t>
+            </a:r>
+          </a:p>
+          <a:p>
+            <a:r>
+              <a:rPr lang="hu-HU" dirty="0" err="1"/>
+              <a:t>Svg</a:t>
+            </a:r>
+            <a:r>
+              <a:rPr lang="hu-HU" dirty="0"/>
+              <a:t> ikonokat használtunk: akármeddig nagyobbítható</a:t>
+            </a:r>
+          </a:p>
+          <a:p>
+            <a:r>
+              <a:rPr lang="hu-HU" dirty="0"/>
+              <a:t>2 nyelv van: hu/</a:t>
+            </a:r>
+            <a:r>
+              <a:rPr lang="hu-HU" dirty="0" err="1"/>
+              <a:t>en</a:t>
+            </a:r>
+            <a:endParaRPr lang="hu-HU" dirty="0"/>
+          </a:p>
+          <a:p>
+            <a:r>
+              <a:rPr lang="hu-HU" dirty="0"/>
+              <a:t>A kódba nyelvkódokat írtunk és egy </a:t>
+            </a:r>
+            <a:r>
+              <a:rPr lang="hu-HU" dirty="0" err="1"/>
+              <a:t>jsonből</a:t>
+            </a:r>
+            <a:r>
+              <a:rPr lang="hu-HU" dirty="0"/>
+              <a:t> kiolvasva kicseréli a megfelelő szövegre</a:t>
+            </a:r>
+          </a:p>
+          <a:p>
+            <a:endParaRPr lang="hu-HU" dirty="0"/>
+          </a:p>
+          <a:p>
             <a:endParaRPr lang="hu-HU" dirty="0"/>
           </a:p>
         </p:txBody>
@@ -722,7 +885,7 @@
           <a:p>
             <a:fld id="{71CE05D7-2AB6-4AAE-88F4-FCCEC84BB5EF}" type="slidenum">
               <a:rPr lang="hu-HU" smtClean="0"/>
-              <a:t>14</a:t>
+              <a:t>12</a:t>
             </a:fld>
             <a:endParaRPr lang="hu-HU"/>
           </a:p>
@@ -731,7 +894,7 @@
     </p:spTree>
     <p:extLst>
       <p:ext uri="{BB962C8B-B14F-4D97-AF65-F5344CB8AC3E}">
-        <p14:creationId xmlns:p14="http://schemas.microsoft.com/office/powerpoint/2010/main" val="1268190581"/>
+        <p14:creationId xmlns:p14="http://schemas.microsoft.com/office/powerpoint/2010/main" val="3711321353"/>
       </p:ext>
     </p:extLst>
   </p:cSld>
@@ -785,10 +948,7 @@
           <a:bodyPr/>
           <a:lstStyle/>
           <a:p>
-            <a:r>
-              <a:rPr lang="hu-HU" dirty="0"/>
-              <a:t>Latex tudományos</a:t>
-            </a:r>
+            <a:endParaRPr lang="hu-HU" dirty="0"/>
           </a:p>
         </p:txBody>
       </p:sp>
@@ -809,7 +969,7 @@
           <a:p>
             <a:fld id="{71CE05D7-2AB6-4AAE-88F4-FCCEC84BB5EF}" type="slidenum">
               <a:rPr lang="hu-HU" smtClean="0"/>
-              <a:t>17</a:t>
+              <a:t>14</a:t>
             </a:fld>
             <a:endParaRPr lang="hu-HU"/>
           </a:p>
@@ -818,7 +978,7 @@
     </p:spTree>
     <p:extLst>
       <p:ext uri="{BB962C8B-B14F-4D97-AF65-F5344CB8AC3E}">
-        <p14:creationId xmlns:p14="http://schemas.microsoft.com/office/powerpoint/2010/main" val="2342585904"/>
+        <p14:creationId xmlns:p14="http://schemas.microsoft.com/office/powerpoint/2010/main" val="1268190581"/>
       </p:ext>
     </p:extLst>
   </p:cSld>
@@ -874,122 +1034,8 @@
           <a:p>
             <a:r>
               <a:rPr lang="hu-HU" dirty="0"/>
-              <a:t>Windows: </a:t>
-            </a:r>
-            <a:br>
-              <a:rPr lang="hu-HU" dirty="0"/>
-            </a:br>
-            <a:r>
-              <a:rPr lang="hu-HU" dirty="0"/>
-              <a:t>indítás: </a:t>
-            </a:r>
-            <a:r>
-              <a:rPr lang="hu-HU" dirty="0" err="1"/>
-              <a:t>xampp</a:t>
-            </a:r>
-            <a:r>
-              <a:rPr lang="hu-HU" dirty="0"/>
-              <a:t>, startphp.bat</a:t>
-            </a:r>
-          </a:p>
-          <a:p>
-            <a:r>
-              <a:rPr lang="hu-HU" dirty="0">
-                <a:ea typeface="Calibri"/>
-                <a:cs typeface="Calibri"/>
-              </a:rPr>
-              <a:t>Telepítés: </a:t>
-            </a:r>
-            <a:r>
-              <a:rPr lang="hu-HU" err="1"/>
-              <a:t>xampp</a:t>
-            </a:r>
-            <a:r>
-              <a:rPr lang="hu-HU" dirty="0"/>
-              <a:t> =&gt; php </a:t>
-            </a:r>
-            <a:r>
-              <a:rPr lang="hu-HU" err="1"/>
-              <a:t>run</a:t>
-            </a:r>
-            <a:r>
-              <a:rPr lang="hu-HU" dirty="0"/>
-              <a:t> </a:t>
-            </a:r>
-            <a:r>
-              <a:rPr lang="hu-HU" err="1"/>
-              <a:t>init</a:t>
-            </a:r>
-            <a:r>
-              <a:rPr lang="hu-HU" dirty="0"/>
-              <a:t>-db</a:t>
-            </a:r>
-          </a:p>
-          <a:p>
-            <a:endParaRPr lang="hu-HU" dirty="0"/>
-          </a:p>
-          <a:p>
-            <a:r>
-              <a:rPr lang="hu-HU" dirty="0"/>
-              <a:t>Linux:</a:t>
-            </a:r>
-            <a:br>
-              <a:rPr lang="hu-HU" dirty="0"/>
-            </a:br>
-            <a:r>
-              <a:rPr lang="hu-HU" dirty="0"/>
-              <a:t>indítás startphp</a:t>
-            </a:r>
-          </a:p>
-          <a:p>
-            <a:r>
-              <a:rPr lang="hu-HU" dirty="0">
-                <a:ea typeface="Calibri"/>
-                <a:cs typeface="Calibri"/>
-              </a:rPr>
-              <a:t>Telepítés: </a:t>
-            </a:r>
-            <a:r>
-              <a:rPr lang="hu-HU" dirty="0" err="1"/>
-              <a:t>mysql</a:t>
-            </a:r>
-            <a:r>
-              <a:rPr lang="hu-HU" dirty="0"/>
-              <a:t>, php (</a:t>
-            </a:r>
-            <a:r>
-              <a:rPr lang="hu-HU" dirty="0" err="1"/>
-              <a:t>install</a:t>
-            </a:r>
-            <a:r>
-              <a:rPr lang="hu-HU" dirty="0"/>
-              <a:t> script) =&gt; php </a:t>
-            </a:r>
-            <a:r>
-              <a:rPr lang="hu-HU" dirty="0" err="1"/>
-              <a:t>run</a:t>
-            </a:r>
-            <a:r>
-              <a:rPr lang="hu-HU" dirty="0"/>
-              <a:t> </a:t>
-            </a:r>
-            <a:r>
-              <a:rPr lang="hu-HU" dirty="0" err="1"/>
-              <a:t>init</a:t>
-            </a:r>
-            <a:r>
-              <a:rPr lang="hu-HU" dirty="0"/>
-              <a:t>-db</a:t>
-            </a:r>
-          </a:p>
-          <a:p>
-            <a:pPr marL="0" indent="0">
-              <a:buNone/>
-            </a:pPr>
-            <a:endParaRPr lang="hu-HU" dirty="0">
-              <a:ea typeface="Calibri"/>
-              <a:cs typeface="Calibri"/>
-            </a:endParaRPr>
+              <a:t>Latex tudományos</a:t>
+            </a:r>
           </a:p>
         </p:txBody>
       </p:sp>
@@ -1010,7 +1056,7 @@
           <a:p>
             <a:fld id="{71CE05D7-2AB6-4AAE-88F4-FCCEC84BB5EF}" type="slidenum">
               <a:rPr lang="hu-HU" smtClean="0"/>
-              <a:t>18</a:t>
+              <a:t>17</a:t>
             </a:fld>
             <a:endParaRPr lang="hu-HU"/>
           </a:p>
@@ -1019,7 +1065,7 @@
     </p:spTree>
     <p:extLst>
       <p:ext uri="{BB962C8B-B14F-4D97-AF65-F5344CB8AC3E}">
-        <p14:creationId xmlns:p14="http://schemas.microsoft.com/office/powerpoint/2010/main" val="1648924451"/>
+        <p14:creationId xmlns:p14="http://schemas.microsoft.com/office/powerpoint/2010/main" val="2342585904"/>
       </p:ext>
     </p:extLst>
   </p:cSld>
@@ -1074,6 +1120,207 @@
           <a:lstStyle/>
           <a:p>
             <a:r>
+              <a:rPr lang="hu-HU" dirty="0"/>
+              <a:t>Windows: </a:t>
+            </a:r>
+            <a:br>
+              <a:rPr lang="hu-HU" dirty="0"/>
+            </a:br>
+            <a:r>
+              <a:rPr lang="hu-HU" dirty="0"/>
+              <a:t>indítás: </a:t>
+            </a:r>
+            <a:r>
+              <a:rPr lang="hu-HU" dirty="0" err="1"/>
+              <a:t>xampp</a:t>
+            </a:r>
+            <a:r>
+              <a:rPr lang="hu-HU" dirty="0"/>
+              <a:t>, startphp.bat</a:t>
+            </a:r>
+          </a:p>
+          <a:p>
+            <a:r>
+              <a:rPr lang="hu-HU" dirty="0">
+                <a:ea typeface="Calibri"/>
+                <a:cs typeface="Calibri"/>
+              </a:rPr>
+              <a:t>Telepítés: </a:t>
+            </a:r>
+            <a:r>
+              <a:rPr lang="hu-HU" err="1"/>
+              <a:t>xampp</a:t>
+            </a:r>
+            <a:r>
+              <a:rPr lang="hu-HU" dirty="0"/>
+              <a:t> =&gt; php </a:t>
+            </a:r>
+            <a:r>
+              <a:rPr lang="hu-HU" err="1"/>
+              <a:t>run</a:t>
+            </a:r>
+            <a:r>
+              <a:rPr lang="hu-HU" dirty="0"/>
+              <a:t> </a:t>
+            </a:r>
+            <a:r>
+              <a:rPr lang="hu-HU" err="1"/>
+              <a:t>init</a:t>
+            </a:r>
+            <a:r>
+              <a:rPr lang="hu-HU" dirty="0"/>
+              <a:t>-db</a:t>
+            </a:r>
+          </a:p>
+          <a:p>
+            <a:endParaRPr lang="hu-HU" dirty="0"/>
+          </a:p>
+          <a:p>
+            <a:r>
+              <a:rPr lang="hu-HU" dirty="0"/>
+              <a:t>Linux:</a:t>
+            </a:r>
+            <a:br>
+              <a:rPr lang="hu-HU" dirty="0"/>
+            </a:br>
+            <a:r>
+              <a:rPr lang="hu-HU" dirty="0"/>
+              <a:t>indítás startphp</a:t>
+            </a:r>
+          </a:p>
+          <a:p>
+            <a:r>
+              <a:rPr lang="hu-HU" dirty="0">
+                <a:ea typeface="Calibri"/>
+                <a:cs typeface="Calibri"/>
+              </a:rPr>
+              <a:t>Telepítés: </a:t>
+            </a:r>
+            <a:r>
+              <a:rPr lang="hu-HU" dirty="0" err="1"/>
+              <a:t>mysql</a:t>
+            </a:r>
+            <a:r>
+              <a:rPr lang="hu-HU" dirty="0"/>
+              <a:t>, php (</a:t>
+            </a:r>
+            <a:r>
+              <a:rPr lang="hu-HU" dirty="0" err="1"/>
+              <a:t>install</a:t>
+            </a:r>
+            <a:r>
+              <a:rPr lang="hu-HU" dirty="0"/>
+              <a:t> script) =&gt; php </a:t>
+            </a:r>
+            <a:r>
+              <a:rPr lang="hu-HU" dirty="0" err="1"/>
+              <a:t>run</a:t>
+            </a:r>
+            <a:r>
+              <a:rPr lang="hu-HU" dirty="0"/>
+              <a:t> </a:t>
+            </a:r>
+            <a:r>
+              <a:rPr lang="hu-HU" dirty="0" err="1"/>
+              <a:t>init</a:t>
+            </a:r>
+            <a:r>
+              <a:rPr lang="hu-HU" dirty="0"/>
+              <a:t>-db</a:t>
+            </a:r>
+          </a:p>
+          <a:p>
+            <a:pPr marL="0" indent="0">
+              <a:buNone/>
+            </a:pPr>
+            <a:endParaRPr lang="hu-HU" dirty="0">
+              <a:ea typeface="Calibri"/>
+              <a:cs typeface="Calibri"/>
+            </a:endParaRPr>
+          </a:p>
+        </p:txBody>
+      </p:sp>
+      <p:sp>
+        <p:nvSpPr>
+          <p:cNvPr id="4" name="Dia számának helye 3"/>
+          <p:cNvSpPr>
+            <a:spLocks noGrp="1"/>
+          </p:cNvSpPr>
+          <p:nvPr>
+            <p:ph type="sldNum" sz="quarter" idx="5"/>
+          </p:nvPr>
+        </p:nvSpPr>
+        <p:spPr/>
+        <p:txBody>
+          <a:bodyPr/>
+          <a:lstStyle/>
+          <a:p>
+            <a:fld id="{71CE05D7-2AB6-4AAE-88F4-FCCEC84BB5EF}" type="slidenum">
+              <a:rPr lang="hu-HU" smtClean="0"/>
+              <a:t>18</a:t>
+            </a:fld>
+            <a:endParaRPr lang="hu-HU"/>
+          </a:p>
+        </p:txBody>
+      </p:sp>
+    </p:spTree>
+    <p:extLst>
+      <p:ext uri="{BB962C8B-B14F-4D97-AF65-F5344CB8AC3E}">
+        <p14:creationId xmlns:p14="http://schemas.microsoft.com/office/powerpoint/2010/main" val="1648924451"/>
+      </p:ext>
+    </p:extLst>
+  </p:cSld>
+  <p:clrMapOvr>
+    <a:masterClrMapping/>
+  </p:clrMapOvr>
+</p:notes>
+</file>
+
+<file path=ppt/notesSlides/notesSlide14.xml><?xml version="1.0" encoding="utf-8"?>
+<p:notes xmlns:a="http://schemas.openxmlformats.org/drawingml/2006/main" xmlns:r="http://schemas.openxmlformats.org/officeDocument/2006/relationships" xmlns:p="http://schemas.openxmlformats.org/presentationml/2006/main">
+  <p:cSld>
+    <p:spTree>
+      <p:nvGrpSpPr>
+        <p:cNvPr id="1" name=""/>
+        <p:cNvGrpSpPr/>
+        <p:nvPr/>
+      </p:nvGrpSpPr>
+      <p:grpSpPr>
+        <a:xfrm>
+          <a:off x="0" y="0"/>
+          <a:ext cx="0" cy="0"/>
+          <a:chOff x="0" y="0"/>
+          <a:chExt cx="0" cy="0"/>
+        </a:xfrm>
+      </p:grpSpPr>
+      <p:sp>
+        <p:nvSpPr>
+          <p:cNvPr id="2" name="Diakép helye 1"/>
+          <p:cNvSpPr>
+            <a:spLocks noGrp="1" noRot="1" noChangeAspect="1"/>
+          </p:cNvSpPr>
+          <p:nvPr>
+            <p:ph type="sldImg"/>
+          </p:nvPr>
+        </p:nvSpPr>
+        <p:spPr/>
+      </p:sp>
+      <p:sp>
+        <p:nvSpPr>
+          <p:cNvPr id="3" name="Jegyzetek helye 2"/>
+          <p:cNvSpPr>
+            <a:spLocks noGrp="1"/>
+          </p:cNvSpPr>
+          <p:nvPr>
+            <p:ph type="body" idx="1"/>
+          </p:nvPr>
+        </p:nvSpPr>
+        <p:spPr/>
+        <p:txBody>
+          <a:bodyPr/>
+          <a:lstStyle/>
+          <a:p>
+            <a:r>
               <a:rPr lang="en-US" dirty="0" err="1">
                 <a:ea typeface="Calibri"/>
                 <a:cs typeface="Calibri"/>
@@ -1146,7 +1393,7 @@
 </p:notes>
 </file>
 
-<file path=ppt/notesSlides/notesSlide14.xml><?xml version="1.0" encoding="utf-8"?>
+<file path=ppt/notesSlides/notesSlide15.xml><?xml version="1.0" encoding="utf-8"?>
 <p:notes xmlns:a="http://schemas.openxmlformats.org/drawingml/2006/main" xmlns:r="http://schemas.openxmlformats.org/officeDocument/2006/relationships" xmlns:p="http://schemas.openxmlformats.org/presentationml/2006/main">
   <p:cSld>
     <p:spTree>
@@ -2053,7 +2300,7 @@
             </a:r>
             <a:r>
               <a:rPr lang="hu-HU" dirty="0"/>
-              <a:t>, </a:t>
+              <a:t>, (</a:t>
             </a:r>
             <a:r>
               <a:rPr lang="hu-HU" dirty="0" err="1"/>
@@ -2125,16 +2372,13 @@
             </a:r>
             <a:r>
               <a:rPr lang="hu-HU" dirty="0"/>
-              <a:t> </a:t>
-            </a:r>
-            <a:r>
-              <a:rPr lang="hu-HU" dirty="0" err="1"/>
-              <a:t>managed</a:t>
-            </a:r>
-            <a:r>
-              <a:rPr lang="hu-HU" dirty="0"/>
-              <a:t>.</a:t>
-            </a:r>
+              <a:t> managed</a:t>
+            </a:r>
+            <a:r>
+              <a:rPr lang="hu-HU"/>
+              <a:t>.)</a:t>
+            </a:r>
+            <a:endParaRPr lang="hu-HU" dirty="0"/>
           </a:p>
           <a:p>
             <a:r>
@@ -2309,18 +2553,10 @@
               <a:t>should</a:t>
             </a:r>
             <a:r>
-              <a:rPr lang="hu-HU" dirty="0"/>
-              <a:t> be   </a:t>
-            </a:r>
-            <a:r>
-              <a:rPr lang="hu-HU" dirty="0" err="1"/>
-              <a:t>returned</a:t>
-            </a:r>
-            <a:r>
-              <a:rPr lang="hu-HU" dirty="0"/>
-              <a:t>.</a:t>
-            </a:r>
-            <a:endParaRPr lang="hu-HU" dirty="0">
+              <a:rPr lang="hu-HU"/>
+              <a:t> be returned.</a:t>
+            </a:r>
+            <a:endParaRPr lang="hu-HU">
               <a:ea typeface="Calibri" panose="020F0502020204030204"/>
               <a:cs typeface="Calibri" panose="020F0502020204030204"/>
             </a:endParaRPr>
@@ -2328,8 +2564,8 @@
           <a:p>
             <a:r>
               <a:rPr lang="hu-HU" dirty="0">
-                <a:ea typeface="Calibri"/>
-                <a:cs typeface="Calibri"/>
+                <a:ea typeface="Calibri" panose="020F0502020204030204"/>
+                <a:cs typeface="Calibri" panose="020F0502020204030204"/>
               </a:rPr>
               <a:t>  -</a:t>
             </a:r>
@@ -2425,7 +2661,7 @@
                 <a:ea typeface="Calibri"/>
                 <a:cs typeface="Calibri"/>
               </a:rPr>
-              <a:t>  - </a:t>
+              <a:t>  -</a:t>
             </a:r>
             <a:r>
               <a:rPr lang="hu-HU" dirty="0" err="1">
@@ -2511,10 +2747,10 @@
             </a:r>
             <a:r>
               <a:rPr lang="hu-HU" dirty="0"/>
-              <a:t>   </a:t>
-            </a:r>
-            <a:r>
-              <a:rPr lang="hu-HU" dirty="0" err="1"/>
+              <a:t> </a:t>
+            </a:r>
+            <a:r>
+              <a:rPr lang="hu-HU"/>
               <a:t>someone</a:t>
             </a:r>
             <a:r>
@@ -2572,15 +2808,7 @@
             </a:r>
             <a:r>
               <a:rPr lang="hu-HU" dirty="0"/>
-              <a:t> API </a:t>
-            </a:r>
-            <a:r>
-              <a:rPr lang="hu-HU" dirty="0" err="1"/>
-              <a:t>layer</a:t>
-            </a:r>
-            <a:r>
-              <a:rPr lang="hu-HU" dirty="0"/>
-              <a:t> and </a:t>
+              <a:t> API and </a:t>
             </a:r>
             <a:r>
               <a:rPr lang="hu-HU" dirty="0" err="1"/>
@@ -2591,20 +2819,8 @@
               <a:t> </a:t>
             </a:r>
             <a:r>
-              <a:rPr lang="hu-HU" dirty="0" err="1"/>
-              <a:t>database</a:t>
-            </a:r>
-            <a:r>
-              <a:rPr lang="hu-HU" dirty="0"/>
-              <a:t> </a:t>
-            </a:r>
-            <a:r>
-              <a:rPr lang="hu-HU" dirty="0" err="1"/>
-              <a:t>layer</a:t>
-            </a:r>
-            <a:r>
-              <a:rPr lang="hu-HU" dirty="0"/>
-              <a:t>. </a:t>
+              <a:rPr lang="hu-HU"/>
+              <a:t>database. </a:t>
             </a:r>
             <a:r>
               <a:rPr lang="hu-HU" dirty="0" err="1"/>
@@ -2709,7 +2925,7 @@
               <a:t>     -</a:t>
             </a:r>
             <a:r>
-              <a:rPr lang="hu-HU" dirty="0" err="1"/>
+              <a:rPr lang="hu-HU" err="1"/>
               <a:t>Database</a:t>
             </a:r>
             <a:r>
@@ -2717,7 +2933,7 @@
               <a:t>: </a:t>
             </a:r>
             <a:r>
-              <a:rPr lang="hu-HU" dirty="0" err="1"/>
+              <a:rPr lang="hu-HU" err="1"/>
               <a:t>Connects</a:t>
             </a:r>
             <a:r>
@@ -2725,7 +2941,7 @@
               <a:t> </a:t>
             </a:r>
             <a:r>
-              <a:rPr lang="hu-HU" dirty="0" err="1"/>
+              <a:rPr lang="hu-HU" err="1"/>
               <a:t>to</a:t>
             </a:r>
             <a:r>
@@ -2733,7 +2949,7 @@
               <a:t> </a:t>
             </a:r>
             <a:r>
-              <a:rPr lang="hu-HU" dirty="0" err="1"/>
+              <a:rPr lang="hu-HU" err="1"/>
               <a:t>the</a:t>
             </a:r>
             <a:r>
@@ -2741,7 +2957,7 @@
               <a:t> </a:t>
             </a:r>
             <a:r>
-              <a:rPr lang="hu-HU" dirty="0" err="1"/>
+              <a:rPr lang="hu-HU" err="1"/>
               <a:t>MySql</a:t>
             </a:r>
             <a:r>
@@ -2749,7 +2965,7 @@
               <a:t> Server  and </a:t>
             </a:r>
             <a:r>
-              <a:rPr lang="hu-HU" dirty="0" err="1"/>
+              <a:rPr lang="hu-HU" err="1"/>
               <a:t>handles</a:t>
             </a:r>
             <a:r>
@@ -2757,7 +2973,7 @@
               <a:t> </a:t>
             </a:r>
             <a:r>
-              <a:rPr lang="hu-HU" dirty="0" err="1"/>
+              <a:rPr lang="hu-HU" err="1"/>
               <a:t>core</a:t>
             </a:r>
             <a:r>
@@ -2765,7 +2981,7 @@
               <a:t> </a:t>
             </a:r>
             <a:r>
-              <a:rPr lang="hu-HU" dirty="0" err="1"/>
+              <a:rPr lang="hu-HU" err="1"/>
               <a:t>data</a:t>
             </a:r>
             <a:r>
@@ -2773,63 +2989,55 @@
               <a:t> </a:t>
             </a:r>
             <a:r>
-              <a:rPr lang="hu-HU" dirty="0" err="1"/>
+              <a:rPr lang="hu-HU" err="1"/>
               <a:t>operations</a:t>
             </a:r>
             <a:r>
               <a:rPr lang="hu-HU" dirty="0"/>
-              <a:t> like   </a:t>
-            </a:r>
-            <a:r>
-              <a:rPr lang="hu-HU" dirty="0" err="1"/>
-              <a:t>modifies</a:t>
+              <a:t> like </a:t>
+            </a:r>
+            <a:r>
+              <a:rPr lang="hu-HU" err="1"/>
+              <a:t>modification</a:t>
             </a:r>
             <a:r>
               <a:rPr lang="hu-HU" dirty="0"/>
               <a:t>, </a:t>
             </a:r>
             <a:r>
-              <a:rPr lang="hu-HU" dirty="0" err="1"/>
-              <a:t>deletes</a:t>
+              <a:rPr lang="hu-HU" err="1"/>
+              <a:t>delete</a:t>
             </a:r>
             <a:r>
               <a:rPr lang="hu-HU" dirty="0"/>
               <a:t>, and </a:t>
             </a:r>
             <a:r>
-              <a:rPr lang="hu-HU" dirty="0" err="1"/>
-              <a:t>retrieves</a:t>
-            </a:r>
-            <a:r>
-              <a:rPr lang="hu-HU" dirty="0"/>
+              <a:rPr lang="hu-HU" err="1"/>
+              <a:t>data</a:t>
+            </a:r>
+            <a:r>
+              <a:rPr lang="hu-HU"/>
+              <a:t> retrive </a:t>
+            </a:r>
+            <a:r>
+              <a:rPr lang="hu-HU" err="1"/>
+              <a:t>from</a:t>
+            </a:r>
+            <a:r>
+              <a:rPr lang="hu-HU"/>
               <a:t> </a:t>
             </a:r>
             <a:r>
-              <a:rPr lang="hu-HU" dirty="0" err="1"/>
-              <a:t>data</a:t>
-            </a:r>
-            <a:r>
-              <a:rPr lang="hu-HU" dirty="0"/>
+              <a:rPr lang="hu-HU" err="1"/>
+              <a:t>the</a:t>
+            </a:r>
+            <a:r>
+              <a:rPr lang="hu-HU"/>
               <a:t> </a:t>
             </a:r>
             <a:r>
-              <a:rPr lang="hu-HU" dirty="0" err="1"/>
-              <a:t>from</a:t>
-            </a:r>
-            <a:r>
-              <a:rPr lang="hu-HU" dirty="0"/>
-              <a:t> </a:t>
-            </a:r>
-            <a:r>
-              <a:rPr lang="hu-HU" dirty="0" err="1"/>
-              <a:t>the</a:t>
-            </a:r>
-            <a:r>
-              <a:rPr lang="hu-HU" dirty="0"/>
-              <a:t> </a:t>
-            </a:r>
-            <a:r>
-              <a:rPr lang="hu-HU" dirty="0" err="1"/>
+              <a:rPr lang="hu-HU" err="1"/>
               <a:t>database</a:t>
             </a:r>
             <a:r>
@@ -2902,25 +3110,9 @@
               <a:t>the</a:t>
             </a:r>
             <a:r>
-              <a:rPr lang="hu-HU" dirty="0"/>
-              <a:t> server </a:t>
-            </a:r>
-            <a:r>
-              <a:rPr lang="hu-HU" dirty="0" err="1"/>
-              <a:t>accordingly</a:t>
-            </a:r>
-            <a:r>
-              <a:rPr lang="hu-HU" dirty="0"/>
-              <a:t>.</a:t>
-            </a:r>
-            <a:r>
-              <a:rPr lang="hu-HU" dirty="0">
-                <a:ea typeface="Calibri"/>
-                <a:cs typeface="Calibri"/>
-              </a:rPr>
-              <a:t> </a:t>
-            </a:r>
-            <a:endParaRPr lang="hu-HU" dirty="0"/>
+              <a:rPr lang="hu-HU"/>
+              <a:t> server.</a:t>
+            </a:r>
           </a:p>
           <a:p>
             <a:r>
@@ -3016,72 +3208,10 @@
               <a:t> server </a:t>
             </a:r>
             <a:r>
-              <a:rPr lang="hu-HU" dirty="0" err="1"/>
-              <a:t>did</a:t>
-            </a:r>
-            <a:r>
-              <a:rPr lang="hu-HU" dirty="0"/>
-              <a:t>.</a:t>
-            </a:r>
-            <a:endParaRPr lang="hu-HU" dirty="0">
-              <a:ea typeface="Calibri"/>
-              <a:cs typeface="Calibri"/>
-            </a:endParaRPr>
-          </a:p>
-          <a:p>
-            <a:r>
-              <a:rPr lang="hu-HU" dirty="0"/>
-              <a:t>     -</a:t>
-            </a:r>
-            <a:r>
-              <a:rPr lang="hu-HU" dirty="0" err="1"/>
-              <a:t>Settings</a:t>
-            </a:r>
-            <a:r>
-              <a:rPr lang="hu-HU" dirty="0"/>
-              <a:t>: </a:t>
-            </a:r>
-            <a:r>
-              <a:rPr lang="hu-HU" dirty="0" err="1"/>
-              <a:t>Reads</a:t>
-            </a:r>
-            <a:r>
-              <a:rPr lang="hu-HU" dirty="0"/>
-              <a:t> </a:t>
-            </a:r>
-            <a:r>
-              <a:rPr lang="hu-HU" dirty="0" err="1"/>
-              <a:t>the</a:t>
-            </a:r>
-            <a:r>
-              <a:rPr lang="hu-HU" dirty="0"/>
-              <a:t> </a:t>
-            </a:r>
-            <a:r>
-              <a:rPr lang="hu-HU" dirty="0" err="1"/>
-              <a:t>config</a:t>
-            </a:r>
-            <a:r>
-              <a:rPr lang="hu-HU" dirty="0"/>
-              <a:t> file and </a:t>
-            </a:r>
-            <a:r>
-              <a:rPr lang="hu-HU" dirty="0" err="1"/>
-              <a:t>configures</a:t>
-            </a:r>
-            <a:r>
-              <a:rPr lang="hu-HU" dirty="0"/>
-              <a:t> </a:t>
-            </a:r>
-            <a:r>
-              <a:rPr lang="hu-HU" dirty="0" err="1"/>
-              <a:t>the</a:t>
-            </a:r>
-            <a:r>
-              <a:rPr lang="hu-HU" dirty="0"/>
-              <a:t> server.</a:t>
-            </a:r>
-            <a:endParaRPr lang="hu-HU" dirty="0">
+              <a:rPr lang="hu-HU"/>
+              <a:t>did.</a:t>
+            </a:r>
+            <a:endParaRPr lang="hu-HU">
               <a:ea typeface="Calibri"/>
               <a:cs typeface="Calibri"/>
             </a:endParaRPr>
@@ -3522,146 +3652,144 @@
           <a:lstStyle/>
           <a:p>
             <a:r>
-              <a:rPr lang="hu-HU" dirty="0"/>
-              <a:t>WEB:</a:t>
-            </a:r>
-          </a:p>
-          <a:p>
-            <a:r>
-              <a:rPr lang="hu-HU" dirty="0" err="1"/>
-              <a:t>Template-eket</a:t>
-            </a:r>
-            <a:r>
-              <a:rPr lang="hu-HU" dirty="0"/>
-              <a:t> használunk</a:t>
-            </a:r>
-          </a:p>
-          <a:p>
-            <a:r>
-              <a:rPr lang="hu-HU" dirty="0"/>
-              <a:t>Aszinkron működés </a:t>
-            </a:r>
-            <a:r>
-              <a:rPr lang="hu-HU" dirty="0" err="1"/>
-              <a:t>js</a:t>
-            </a:r>
-            <a:r>
-              <a:rPr lang="hu-HU" dirty="0"/>
-              <a:t>-ben</a:t>
-            </a:r>
-          </a:p>
-          <a:p>
-            <a:endParaRPr lang="hu-HU" dirty="0"/>
-          </a:p>
-          <a:p>
-            <a:r>
-              <a:rPr lang="hu-HU" dirty="0"/>
-              <a:t>Java </a:t>
-            </a:r>
-            <a:r>
-              <a:rPr lang="hu-HU" dirty="0" err="1"/>
-              <a:t>library</a:t>
-            </a:r>
-            <a:r>
-              <a:rPr lang="hu-HU" dirty="0"/>
-              <a:t>:</a:t>
-            </a:r>
-          </a:p>
-          <a:p>
-            <a:r>
-              <a:rPr lang="hu-HU" dirty="0" err="1"/>
-              <a:t>Api</a:t>
-            </a:r>
-            <a:r>
-              <a:rPr lang="hu-HU" dirty="0"/>
-              <a:t> kommunikáció a feladata. Csak meghívjuk a függvényeket és megkapjuk az adatokat</a:t>
-            </a:r>
-          </a:p>
-          <a:p>
-            <a:r>
-              <a:rPr lang="hu-HU" dirty="0"/>
-              <a:t>Asztali:</a:t>
-            </a:r>
-          </a:p>
-          <a:p>
-            <a:r>
-              <a:rPr lang="hu-HU" dirty="0" err="1"/>
-              <a:t>Netbeans</a:t>
-            </a:r>
-            <a:r>
-              <a:rPr lang="hu-HU" dirty="0"/>
-              <a:t>-ben csináltuk (java)</a:t>
-            </a:r>
-          </a:p>
-          <a:p>
-            <a:r>
-              <a:rPr lang="hu-HU" dirty="0"/>
-              <a:t>Mobilis:</a:t>
-            </a:r>
-          </a:p>
-          <a:p>
-            <a:r>
-              <a:rPr lang="hu-HU" dirty="0"/>
-              <a:t>Android </a:t>
-            </a:r>
-            <a:r>
-              <a:rPr lang="hu-HU" dirty="0" err="1"/>
-              <a:t>studioban</a:t>
-            </a:r>
-            <a:r>
-              <a:rPr lang="hu-HU" dirty="0"/>
-              <a:t> csináltuk (java)</a:t>
-            </a:r>
-          </a:p>
-          <a:p>
-            <a:endParaRPr lang="hu-HU" dirty="0"/>
-          </a:p>
-          <a:p>
-            <a:r>
-              <a:rPr lang="hu-HU" dirty="0"/>
-              <a:t>Egyéb:</a:t>
-            </a:r>
-          </a:p>
-          <a:p>
-            <a:r>
-              <a:rPr lang="hu-HU" dirty="0" err="1"/>
-              <a:t>Svg</a:t>
-            </a:r>
-            <a:r>
-              <a:rPr lang="hu-HU" dirty="0"/>
-              <a:t> ikonokat használtunk: akármeddig nagyobbítható</a:t>
-            </a:r>
-          </a:p>
-          <a:p>
-            <a:r>
-              <a:rPr lang="hu-HU" dirty="0"/>
-              <a:t>2 nyelv van: hu/</a:t>
-            </a:r>
-            <a:r>
-              <a:rPr lang="hu-HU" dirty="0" err="1"/>
-              <a:t>en</a:t>
-            </a:r>
-            <a:endParaRPr lang="hu-HU" dirty="0"/>
-          </a:p>
-          <a:p>
-            <a:r>
-              <a:rPr lang="hu-HU" dirty="0"/>
-              <a:t>A kódba nyelvkódokat írtunk és egy </a:t>
-            </a:r>
-            <a:r>
-              <a:rPr lang="hu-HU" dirty="0" err="1"/>
-              <a:t>jsonből</a:t>
-            </a:r>
-            <a:r>
-              <a:rPr lang="hu-HU" dirty="0"/>
-              <a:t> kiolvasva kicseréli a megfelelő szövegre</a:t>
-            </a:r>
-          </a:p>
-          <a:p>
-            <a:endParaRPr lang="hu-HU" dirty="0"/>
-          </a:p>
-          <a:p>
-            <a:endParaRPr lang="hu-HU" dirty="0"/>
+              <a:rPr lang="en-US" dirty="0" err="1">
+                <a:ea typeface="Calibri"/>
+                <a:cs typeface="Calibri"/>
+              </a:rPr>
+              <a:t>Bejegyzések</a:t>
+            </a:r>
+          </a:p>
+          <a:p>
+            <a:r>
+              <a:rPr lang="en-US" dirty="0" err="1"/>
+              <a:t>Inicializálja</a:t>
+            </a:r>
+            <a:r>
+              <a:rPr lang="en-US" dirty="0"/>
+              <a:t> </a:t>
+            </a:r>
+            <a:r>
+              <a:rPr lang="en-US" dirty="0" err="1"/>
+              <a:t>az</a:t>
+            </a:r>
+            <a:r>
+              <a:rPr lang="en-US" dirty="0"/>
+              <a:t> </a:t>
+            </a:r>
+            <a:r>
+              <a:rPr lang="en-US" dirty="0" err="1"/>
+              <a:t>adatbázist</a:t>
+            </a:r>
+            <a:r>
+              <a:rPr lang="en-US" dirty="0"/>
+              <a:t> (pl. </a:t>
+            </a:r>
+            <a:r>
+              <a:rPr lang="en-US" dirty="0" err="1"/>
+              <a:t>létrehozza</a:t>
+            </a:r>
+            <a:r>
+              <a:rPr lang="en-US" dirty="0"/>
+              <a:t> a </a:t>
+            </a:r>
+            <a:r>
+              <a:rPr lang="en-US" dirty="0" err="1"/>
+              <a:t>táblákat</a:t>
+            </a:r>
+            <a:r>
+              <a:rPr lang="en-US" dirty="0"/>
+              <a:t> </a:t>
+            </a:r>
+            <a:r>
+              <a:rPr lang="en-US" dirty="0" err="1"/>
+              <a:t>és</a:t>
+            </a:r>
+            <a:r>
+              <a:rPr lang="en-US" dirty="0"/>
+              <a:t> </a:t>
+            </a:r>
+            <a:r>
+              <a:rPr lang="en-US" dirty="0" err="1"/>
+              <a:t>az</a:t>
+            </a:r>
+            <a:r>
+              <a:rPr lang="en-US" dirty="0"/>
+              <a:t> </a:t>
+            </a:r>
+            <a:r>
+              <a:rPr lang="en-US" dirty="0" err="1"/>
+              <a:t>alapstruktúrát</a:t>
+            </a:r>
+            <a:r>
+              <a:rPr lang="en-US" dirty="0"/>
+              <a:t>).</a:t>
+            </a:r>
+            <a:endParaRPr lang="en-US" dirty="0">
+              <a:ea typeface="Calibri"/>
+              <a:cs typeface="Calibri"/>
+            </a:endParaRPr>
+          </a:p>
+          <a:p>
+            <a:r>
+              <a:rPr lang="en-US" dirty="0" err="1"/>
+              <a:t>Betölti</a:t>
+            </a:r>
+            <a:r>
+              <a:rPr lang="en-US" dirty="0"/>
+              <a:t> </a:t>
+            </a:r>
+            <a:r>
+              <a:rPr lang="en-US" dirty="0" err="1"/>
+              <a:t>vagy</a:t>
+            </a:r>
+            <a:r>
+              <a:rPr lang="en-US" dirty="0"/>
+              <a:t> </a:t>
+            </a:r>
+            <a:r>
+              <a:rPr lang="en-US" dirty="0" err="1"/>
+              <a:t>visszaállítja</a:t>
+            </a:r>
+            <a:r>
+              <a:rPr lang="en-US" dirty="0"/>
+              <a:t> </a:t>
+            </a:r>
+            <a:r>
+              <a:rPr lang="en-US" dirty="0" err="1"/>
+              <a:t>az</a:t>
+            </a:r>
+            <a:r>
+              <a:rPr lang="en-US" dirty="0"/>
+              <a:t> </a:t>
+            </a:r>
+            <a:r>
+              <a:rPr lang="en-US" dirty="0" err="1"/>
+              <a:t>adatokat</a:t>
+            </a:r>
+            <a:r>
+              <a:rPr lang="en-US" dirty="0"/>
+              <a:t> </a:t>
+            </a:r>
+            <a:r>
+              <a:rPr lang="en-US" dirty="0" err="1"/>
+              <a:t>egy</a:t>
+            </a:r>
+            <a:r>
+              <a:rPr lang="en-US" dirty="0"/>
+              <a:t> </a:t>
+            </a:r>
+            <a:r>
+              <a:rPr lang="en-US" dirty="0" err="1"/>
+              <a:t>mentésből</a:t>
+            </a:r>
+            <a:r>
+              <a:rPr lang="en-US" dirty="0"/>
+              <a:t>.</a:t>
+            </a:r>
+            <a:endParaRPr lang="en-US" dirty="0">
+              <a:ea typeface="Calibri"/>
+              <a:cs typeface="Calibri"/>
+            </a:endParaRPr>
           </a:p>
         </p:txBody>
       </p:sp>
@@ -3682,7 +3810,7 @@
           <a:p>
             <a:fld id="{71CE05D7-2AB6-4AAE-88F4-FCCEC84BB5EF}" type="slidenum">
               <a:rPr lang="hu-HU" smtClean="0"/>
-              <a:t>11</a:t>
+              <a:t>9</a:t>
             </a:fld>
             <a:endParaRPr lang="hu-HU"/>
           </a:p>
@@ -3691,7 +3819,7 @@
     </p:spTree>
     <p:extLst>
       <p:ext uri="{BB962C8B-B14F-4D97-AF65-F5344CB8AC3E}">
-        <p14:creationId xmlns:p14="http://schemas.microsoft.com/office/powerpoint/2010/main" val="4235093243"/>
+        <p14:creationId xmlns:p14="http://schemas.microsoft.com/office/powerpoint/2010/main" val="1824927530"/>
       </p:ext>
     </p:extLst>
   </p:cSld>
@@ -3906,7 +4034,7 @@
           <a:p>
             <a:fld id="{71CE05D7-2AB6-4AAE-88F4-FCCEC84BB5EF}" type="slidenum">
               <a:rPr lang="hu-HU" smtClean="0"/>
-              <a:t>12</a:t>
+              <a:t>11</a:t>
             </a:fld>
             <a:endParaRPr lang="hu-HU"/>
           </a:p>
@@ -3915,7 +4043,7 @@
     </p:spTree>
     <p:extLst>
       <p:ext uri="{BB962C8B-B14F-4D97-AF65-F5344CB8AC3E}">
-        <p14:creationId xmlns:p14="http://schemas.microsoft.com/office/powerpoint/2010/main" val="3711321353"/>
+        <p14:creationId xmlns:p14="http://schemas.microsoft.com/office/powerpoint/2010/main" val="4235093243"/>
       </p:ext>
     </p:extLst>
   </p:cSld>
